--- a/overview student project.pptx
+++ b/overview student project.pptx
@@ -423,7 +423,7 @@
   <pc:docChgLst>
     <pc:chgData name="Richard Prußas" userId="95997a070391755a" providerId="LiveId" clId="{D6B116F4-51E1-4D8F-BF67-46FA1F5A4FBE}"/>
     <pc:docChg chg="undo custSel addSld delSld modSld">
-      <pc:chgData name="Richard Prußas" userId="95997a070391755a" providerId="LiveId" clId="{D6B116F4-51E1-4D8F-BF67-46FA1F5A4FBE}" dt="2021-01-31T03:12:51.479" v="2779" actId="20577"/>
+      <pc:chgData name="Richard Prußas" userId="95997a070391755a" providerId="LiveId" clId="{D6B116F4-51E1-4D8F-BF67-46FA1F5A4FBE}" dt="2021-01-31T13:48:35.130" v="3107" actId="20577"/>
       <pc:docMkLst>
         <pc:docMk/>
       </pc:docMkLst>
@@ -541,7 +541,7 @@
         </pc:sldMkLst>
       </pc:sldChg>
       <pc:sldChg chg="modSp mod">
-        <pc:chgData name="Richard Prußas" userId="95997a070391755a" providerId="LiveId" clId="{D6B116F4-51E1-4D8F-BF67-46FA1F5A4FBE}" dt="2021-01-31T02:17:43.514" v="893" actId="20577"/>
+        <pc:chgData name="Richard Prußas" userId="95997a070391755a" providerId="LiveId" clId="{D6B116F4-51E1-4D8F-BF67-46FA1F5A4FBE}" dt="2021-01-31T13:36:45.764" v="2834" actId="20577"/>
         <pc:sldMkLst>
           <pc:docMk/>
           <pc:sldMk cId="3717923415" sldId="272"/>
@@ -555,7 +555,7 @@
           </ac:spMkLst>
         </pc:spChg>
         <pc:spChg chg="mod">
-          <ac:chgData name="Richard Prußas" userId="95997a070391755a" providerId="LiveId" clId="{D6B116F4-51E1-4D8F-BF67-46FA1F5A4FBE}" dt="2021-01-31T02:17:43.514" v="893" actId="20577"/>
+          <ac:chgData name="Richard Prußas" userId="95997a070391755a" providerId="LiveId" clId="{D6B116F4-51E1-4D8F-BF67-46FA1F5A4FBE}" dt="2021-01-31T13:36:45.764" v="2834" actId="20577"/>
           <ac:spMkLst>
             <pc:docMk/>
             <pc:sldMk cId="3717923415" sldId="272"/>
@@ -564,7 +564,7 @@
         </pc:spChg>
       </pc:sldChg>
       <pc:sldChg chg="delSp modSp mod">
-        <pc:chgData name="Richard Prußas" userId="95997a070391755a" providerId="LiveId" clId="{D6B116F4-51E1-4D8F-BF67-46FA1F5A4FBE}" dt="2021-01-31T03:12:51.479" v="2779" actId="20577"/>
+        <pc:chgData name="Richard Prußas" userId="95997a070391755a" providerId="LiveId" clId="{D6B116F4-51E1-4D8F-BF67-46FA1F5A4FBE}" dt="2021-01-31T13:37:37.195" v="2839" actId="20577"/>
         <pc:sldMkLst>
           <pc:docMk/>
           <pc:sldMk cId="1993307517" sldId="273"/>
@@ -578,7 +578,7 @@
           </ac:spMkLst>
         </pc:spChg>
         <pc:spChg chg="mod">
-          <ac:chgData name="Richard Prußas" userId="95997a070391755a" providerId="LiveId" clId="{D6B116F4-51E1-4D8F-BF67-46FA1F5A4FBE}" dt="2021-01-31T03:12:51.479" v="2779" actId="20577"/>
+          <ac:chgData name="Richard Prußas" userId="95997a070391755a" providerId="LiveId" clId="{D6B116F4-51E1-4D8F-BF67-46FA1F5A4FBE}" dt="2021-01-31T13:37:37.195" v="2839" actId="20577"/>
           <ac:spMkLst>
             <pc:docMk/>
             <pc:sldMk cId="1993307517" sldId="273"/>
@@ -665,7 +665,7 @@
         </pc:spChg>
       </pc:sldChg>
       <pc:sldChg chg="modSp add mod">
-        <pc:chgData name="Richard Prußas" userId="95997a070391755a" providerId="LiveId" clId="{D6B116F4-51E1-4D8F-BF67-46FA1F5A4FBE}" dt="2021-01-31T02:55:47.417" v="2422" actId="5793"/>
+        <pc:chgData name="Richard Prußas" userId="95997a070391755a" providerId="LiveId" clId="{D6B116F4-51E1-4D8F-BF67-46FA1F5A4FBE}" dt="2021-01-31T13:48:35.130" v="3107" actId="20577"/>
         <pc:sldMkLst>
           <pc:docMk/>
           <pc:sldMk cId="2797590830" sldId="276"/>
@@ -679,7 +679,7 @@
           </ac:spMkLst>
         </pc:spChg>
         <pc:spChg chg="mod">
-          <ac:chgData name="Richard Prußas" userId="95997a070391755a" providerId="LiveId" clId="{D6B116F4-51E1-4D8F-BF67-46FA1F5A4FBE}" dt="2021-01-31T02:55:47.417" v="2422" actId="5793"/>
+          <ac:chgData name="Richard Prußas" userId="95997a070391755a" providerId="LiveId" clId="{D6B116F4-51E1-4D8F-BF67-46FA1F5A4FBE}" dt="2021-01-31T13:48:35.130" v="3107" actId="20577"/>
           <ac:spMkLst>
             <pc:docMk/>
             <pc:sldMk cId="2797590830" sldId="276"/>
@@ -8098,7 +8098,7 @@
             </a:r>
             <a:r>
               <a:rPr lang="de-DE" dirty="0" err="1"/>
-              <a:t>methods</a:t>
+              <a:t>demographical</a:t>
             </a:r>
             <a:r>
               <a:rPr lang="de-DE" dirty="0"/>
@@ -8106,7 +8106,7 @@
             </a:r>
             <a:r>
               <a:rPr lang="de-DE" dirty="0" err="1"/>
-              <a:t>from</a:t>
+              <a:t>data</a:t>
             </a:r>
             <a:r>
               <a:rPr lang="de-DE" dirty="0"/>
@@ -8114,15 +8114,7 @@
             </a:r>
             <a:r>
               <a:rPr lang="de-DE" dirty="0" err="1"/>
-              <a:t>citizen</a:t>
-            </a:r>
-            <a:r>
-              <a:rPr lang="de-DE" dirty="0"/>
-              <a:t> </a:t>
-            </a:r>
-            <a:r>
-              <a:rPr lang="de-DE" dirty="0" err="1"/>
-              <a:t>science</a:t>
+              <a:t>sets</a:t>
             </a:r>
             <a:endParaRPr lang="de-DE" dirty="0"/>
           </a:p>
@@ -8281,7 +8273,7 @@
             </a:r>
             <a:r>
               <a:rPr lang="de-DE" dirty="0" err="1"/>
-              <a:t>Satellite</a:t>
+              <a:t>satellites</a:t>
             </a:r>
             <a:r>
               <a:rPr lang="de-DE" dirty="0"/>
@@ -9952,7 +9944,19 @@
                 </a:solidFill>
                 <a:latin typeface="Noto Sans Bold"/>
               </a:rPr>
-              <a:t>: </a:t>
+              <a:t>:</a:t>
+            </a:r>
+          </a:p>
+          <a:p>
+            <a:pPr marL="1028700" lvl="1" indent="-342900"/>
+            <a:r>
+              <a:rPr lang="de-DE" dirty="0">
+                <a:solidFill>
+                  <a:srgbClr val="202122"/>
+                </a:solidFill>
+                <a:latin typeface="Noto Sans Bold"/>
+              </a:rPr>
+              <a:t> </a:t>
             </a:r>
             <a:r>
               <a:rPr lang="de-DE" dirty="0" err="1">
@@ -10080,11 +10084,579 @@
               </a:rPr>
               <a:t> </a:t>
             </a:r>
+          </a:p>
+          <a:p>
+            <a:pPr marL="1028700" lvl="1" indent="-342900"/>
+            <a:r>
+              <a:rPr lang="de-DE" dirty="0" err="1">
+                <a:solidFill>
+                  <a:srgbClr val="202122"/>
+                </a:solidFill>
+                <a:latin typeface="Noto Sans Bold"/>
+              </a:rPr>
+              <a:t>work</a:t>
+            </a:r>
+            <a:r>
+              <a:rPr lang="de-DE" dirty="0">
+                <a:solidFill>
+                  <a:srgbClr val="202122"/>
+                </a:solidFill>
+                <a:latin typeface="Noto Sans Bold"/>
+              </a:rPr>
+              <a:t> on </a:t>
+            </a:r>
+            <a:r>
+              <a:rPr lang="de-DE" dirty="0" err="1">
+                <a:solidFill>
+                  <a:srgbClr val="202122"/>
+                </a:solidFill>
+                <a:latin typeface="Noto Sans Bold"/>
+              </a:rPr>
+              <a:t>automating</a:t>
+            </a:r>
+            <a:r>
+              <a:rPr lang="de-DE" dirty="0">
+                <a:solidFill>
+                  <a:srgbClr val="202122"/>
+                </a:solidFill>
+                <a:latin typeface="Noto Sans Bold"/>
+              </a:rPr>
+              <a:t> </a:t>
+            </a:r>
+            <a:r>
+              <a:rPr lang="de-DE" dirty="0" err="1">
+                <a:solidFill>
+                  <a:srgbClr val="202122"/>
+                </a:solidFill>
+                <a:latin typeface="Noto Sans Bold"/>
+              </a:rPr>
+              <a:t>current</a:t>
+            </a:r>
+            <a:r>
+              <a:rPr lang="de-DE" dirty="0">
+                <a:solidFill>
+                  <a:srgbClr val="202122"/>
+                </a:solidFill>
+                <a:latin typeface="Noto Sans Bold"/>
+              </a:rPr>
+              <a:t> </a:t>
+            </a:r>
+            <a:r>
+              <a:rPr lang="de-DE" dirty="0" err="1">
+                <a:solidFill>
+                  <a:srgbClr val="202122"/>
+                </a:solidFill>
+                <a:latin typeface="Noto Sans Bold"/>
+              </a:rPr>
+              <a:t>workflow</a:t>
+            </a:r>
+            <a:endParaRPr lang="de-DE" dirty="0">
+              <a:solidFill>
+                <a:srgbClr val="202122"/>
+              </a:solidFill>
+              <a:latin typeface="Noto Sans Bold"/>
+            </a:endParaRPr>
+          </a:p>
+          <a:p>
+            <a:pPr marL="1028700" lvl="1" indent="-342900"/>
+            <a:r>
+              <a:rPr lang="de-DE" dirty="0" err="1">
+                <a:solidFill>
+                  <a:srgbClr val="202122"/>
+                </a:solidFill>
+                <a:latin typeface="Noto Sans Bold"/>
+              </a:rPr>
+              <a:t>implement</a:t>
+            </a:r>
+            <a:r>
+              <a:rPr lang="de-DE" dirty="0">
+                <a:solidFill>
+                  <a:srgbClr val="202122"/>
+                </a:solidFill>
+                <a:latin typeface="Noto Sans Bold"/>
+              </a:rPr>
+              <a:t> </a:t>
+            </a:r>
+            <a:r>
+              <a:rPr lang="de-DE" dirty="0" err="1">
+                <a:solidFill>
+                  <a:srgbClr val="202122"/>
+                </a:solidFill>
+                <a:latin typeface="Noto Sans Bold"/>
+              </a:rPr>
+              <a:t>function</a:t>
+            </a:r>
+            <a:r>
+              <a:rPr lang="de-DE">
+                <a:solidFill>
+                  <a:srgbClr val="202122"/>
+                </a:solidFill>
+                <a:latin typeface="Noto Sans Bold"/>
+              </a:rPr>
+              <a:t> in </a:t>
+            </a:r>
+            <a:r>
+              <a:rPr lang="de-DE" dirty="0" err="1">
+                <a:solidFill>
+                  <a:srgbClr val="202122"/>
+                </a:solidFill>
+                <a:latin typeface="Noto Sans Bold"/>
+              </a:rPr>
+              <a:t>interactive</a:t>
+            </a:r>
+            <a:r>
+              <a:rPr lang="de-DE" dirty="0">
+                <a:solidFill>
+                  <a:srgbClr val="202122"/>
+                </a:solidFill>
+                <a:latin typeface="Noto Sans Bold"/>
+              </a:rPr>
+              <a:t> </a:t>
+            </a:r>
+            <a:r>
+              <a:rPr lang="de-DE" dirty="0" err="1">
+                <a:solidFill>
+                  <a:srgbClr val="202122"/>
+                </a:solidFill>
+                <a:latin typeface="Noto Sans Bold"/>
+              </a:rPr>
+              <a:t>map</a:t>
+            </a:r>
+            <a:r>
+              <a:rPr lang="de-DE" dirty="0">
+                <a:solidFill>
+                  <a:srgbClr val="202122"/>
+                </a:solidFill>
+                <a:latin typeface="Noto Sans Bold"/>
+              </a:rPr>
+              <a:t> </a:t>
+            </a:r>
+            <a:r>
+              <a:rPr lang="de-DE" dirty="0" err="1">
+                <a:solidFill>
+                  <a:srgbClr val="202122"/>
+                </a:solidFill>
+                <a:latin typeface="Noto Sans Bold"/>
+              </a:rPr>
+              <a:t>to</a:t>
+            </a:r>
+            <a:r>
+              <a:rPr lang="de-DE" dirty="0">
+                <a:solidFill>
+                  <a:srgbClr val="202122"/>
+                </a:solidFill>
+                <a:latin typeface="Noto Sans Bold"/>
+              </a:rPr>
+              <a:t> </a:t>
+            </a:r>
+            <a:r>
+              <a:rPr lang="de-DE" dirty="0" err="1">
+                <a:solidFill>
+                  <a:srgbClr val="202122"/>
+                </a:solidFill>
+                <a:latin typeface="Noto Sans Bold"/>
+              </a:rPr>
+              <a:t>visualize</a:t>
+            </a:r>
+            <a:r>
+              <a:rPr lang="de-DE" dirty="0">
+                <a:solidFill>
+                  <a:srgbClr val="202122"/>
+                </a:solidFill>
+                <a:latin typeface="Noto Sans Bold"/>
+              </a:rPr>
+              <a:t> </a:t>
+            </a:r>
+            <a:r>
+              <a:rPr lang="de-DE" dirty="0" err="1">
+                <a:solidFill>
+                  <a:srgbClr val="202122"/>
+                </a:solidFill>
+                <a:latin typeface="Noto Sans Bold"/>
+              </a:rPr>
+              <a:t>vegeation</a:t>
+            </a:r>
+            <a:r>
+              <a:rPr lang="de-DE" dirty="0">
+                <a:solidFill>
+                  <a:srgbClr val="202122"/>
+                </a:solidFill>
+                <a:latin typeface="Noto Sans Bold"/>
+              </a:rPr>
+              <a:t> </a:t>
+            </a:r>
+            <a:r>
+              <a:rPr lang="de-DE" dirty="0" err="1">
+                <a:solidFill>
+                  <a:srgbClr val="202122"/>
+                </a:solidFill>
+                <a:latin typeface="Noto Sans Bold"/>
+              </a:rPr>
+              <a:t>index</a:t>
+            </a:r>
+            <a:r>
+              <a:rPr lang="de-DE" dirty="0">
+                <a:solidFill>
+                  <a:srgbClr val="202122"/>
+                </a:solidFill>
+                <a:latin typeface="Noto Sans Bold"/>
+              </a:rPr>
+              <a:t> </a:t>
+            </a:r>
+            <a:r>
+              <a:rPr lang="de-DE" dirty="0" err="1">
+                <a:solidFill>
+                  <a:srgbClr val="202122"/>
+                </a:solidFill>
+                <a:latin typeface="Noto Sans Bold"/>
+              </a:rPr>
+              <a:t>for</a:t>
+            </a:r>
+            <a:r>
+              <a:rPr lang="de-DE" dirty="0">
+                <a:solidFill>
+                  <a:srgbClr val="202122"/>
+                </a:solidFill>
+                <a:latin typeface="Noto Sans Bold"/>
+              </a:rPr>
+              <a:t> </a:t>
+            </a:r>
+            <a:r>
+              <a:rPr lang="de-DE" dirty="0" err="1">
+                <a:solidFill>
+                  <a:srgbClr val="202122"/>
+                </a:solidFill>
+                <a:latin typeface="Noto Sans Bold"/>
+              </a:rPr>
+              <a:t>place</a:t>
+            </a:r>
+            <a:r>
+              <a:rPr lang="de-DE" dirty="0">
+                <a:solidFill>
+                  <a:srgbClr val="202122"/>
+                </a:solidFill>
+                <a:latin typeface="Noto Sans Bold"/>
+              </a:rPr>
+              <a:t> </a:t>
+            </a:r>
+            <a:r>
+              <a:rPr lang="de-DE" dirty="0" err="1">
+                <a:solidFill>
+                  <a:srgbClr val="202122"/>
+                </a:solidFill>
+                <a:latin typeface="Noto Sans Bold"/>
+              </a:rPr>
+              <a:t>of</a:t>
+            </a:r>
+            <a:r>
+              <a:rPr lang="de-DE" dirty="0">
+                <a:solidFill>
+                  <a:srgbClr val="202122"/>
+                </a:solidFill>
+                <a:latin typeface="Noto Sans Bold"/>
+              </a:rPr>
+              <a:t> </a:t>
+            </a:r>
+            <a:r>
+              <a:rPr lang="de-DE" dirty="0" err="1">
+                <a:solidFill>
+                  <a:srgbClr val="202122"/>
+                </a:solidFill>
+                <a:latin typeface="Noto Sans Bold"/>
+              </a:rPr>
+              <a:t>residence</a:t>
+            </a:r>
+            <a:r>
+              <a:rPr lang="de-DE" dirty="0">
+                <a:solidFill>
+                  <a:srgbClr val="202122"/>
+                </a:solidFill>
+                <a:latin typeface="Noto Sans Bold"/>
+              </a:rPr>
+              <a:t> </a:t>
+            </a:r>
+            <a:r>
+              <a:rPr lang="de-DE" dirty="0" err="1">
+                <a:solidFill>
+                  <a:srgbClr val="202122"/>
+                </a:solidFill>
+                <a:latin typeface="Noto Sans Bold"/>
+              </a:rPr>
+              <a:t>of</a:t>
+            </a:r>
+            <a:r>
+              <a:rPr lang="de-DE" dirty="0">
+                <a:solidFill>
+                  <a:srgbClr val="202122"/>
+                </a:solidFill>
+                <a:latin typeface="Noto Sans Bold"/>
+              </a:rPr>
+              <a:t> </a:t>
+            </a:r>
+            <a:r>
+              <a:rPr lang="de-DE" dirty="0" err="1">
+                <a:solidFill>
+                  <a:srgbClr val="202122"/>
+                </a:solidFill>
+                <a:latin typeface="Noto Sans Bold"/>
+              </a:rPr>
+              <a:t>user</a:t>
+            </a:r>
+            <a:endParaRPr lang="de-DE" dirty="0">
+              <a:solidFill>
+                <a:srgbClr val="202122"/>
+              </a:solidFill>
+              <a:latin typeface="Noto Sans Bold"/>
+            </a:endParaRPr>
+          </a:p>
+          <a:p>
+            <a:endParaRPr lang="de-DE" dirty="0">
+              <a:solidFill>
+                <a:srgbClr val="202122"/>
+              </a:solidFill>
+              <a:latin typeface="Noto Sans Bold"/>
+            </a:endParaRPr>
           </a:p>
           <a:p>
             <a:pPr marL="342900" indent="-342900">
               <a:buFontTx/>
               <a:buChar char="-"/>
+            </a:pPr>
+            <a:r>
+              <a:rPr lang="de-DE" dirty="0">
+                <a:solidFill>
+                  <a:srgbClr val="202122"/>
+                </a:solidFill>
+                <a:latin typeface="Noto Sans Bold"/>
+              </a:rPr>
+              <a:t>open </a:t>
+            </a:r>
+            <a:r>
+              <a:rPr lang="de-DE" dirty="0" err="1">
+                <a:solidFill>
+                  <a:srgbClr val="202122"/>
+                </a:solidFill>
+                <a:latin typeface="Noto Sans Bold"/>
+              </a:rPr>
+              <a:t>questions</a:t>
+            </a:r>
+            <a:r>
+              <a:rPr lang="de-DE" dirty="0">
+                <a:solidFill>
+                  <a:srgbClr val="202122"/>
+                </a:solidFill>
+                <a:latin typeface="Noto Sans Bold"/>
+              </a:rPr>
+              <a:t>:</a:t>
+            </a:r>
+          </a:p>
+          <a:p>
+            <a:pPr marL="1028700" lvl="1" indent="-342900">
+              <a:buFontTx/>
+              <a:buChar char="-"/>
+            </a:pPr>
+            <a:r>
+              <a:rPr lang="de-DE" dirty="0" err="1">
+                <a:solidFill>
+                  <a:srgbClr val="202122"/>
+                </a:solidFill>
+                <a:latin typeface="Noto Sans Bold"/>
+              </a:rPr>
+              <a:t>What</a:t>
+            </a:r>
+            <a:r>
+              <a:rPr lang="de-DE" dirty="0">
+                <a:solidFill>
+                  <a:srgbClr val="202122"/>
+                </a:solidFill>
+                <a:latin typeface="Noto Sans Bold"/>
+              </a:rPr>
+              <a:t> </a:t>
+            </a:r>
+            <a:r>
+              <a:rPr lang="de-DE" dirty="0" err="1">
+                <a:solidFill>
+                  <a:srgbClr val="202122"/>
+                </a:solidFill>
+                <a:latin typeface="Noto Sans Bold"/>
+              </a:rPr>
+              <a:t>kind</a:t>
+            </a:r>
+            <a:r>
+              <a:rPr lang="de-DE" dirty="0">
+                <a:solidFill>
+                  <a:srgbClr val="202122"/>
+                </a:solidFill>
+                <a:latin typeface="Noto Sans Bold"/>
+              </a:rPr>
+              <a:t> </a:t>
+            </a:r>
+            <a:r>
+              <a:rPr lang="de-DE" dirty="0" err="1">
+                <a:solidFill>
+                  <a:srgbClr val="202122"/>
+                </a:solidFill>
+                <a:latin typeface="Noto Sans Bold"/>
+              </a:rPr>
+              <a:t>of</a:t>
+            </a:r>
+            <a:r>
+              <a:rPr lang="de-DE" dirty="0">
+                <a:solidFill>
+                  <a:srgbClr val="202122"/>
+                </a:solidFill>
+                <a:latin typeface="Noto Sans Bold"/>
+              </a:rPr>
+              <a:t> social </a:t>
+            </a:r>
+            <a:r>
+              <a:rPr lang="de-DE" dirty="0" err="1">
+                <a:solidFill>
+                  <a:srgbClr val="202122"/>
+                </a:solidFill>
+                <a:latin typeface="Noto Sans Bold"/>
+              </a:rPr>
+              <a:t>metrics</a:t>
+            </a:r>
+            <a:r>
+              <a:rPr lang="de-DE" dirty="0">
+                <a:solidFill>
+                  <a:srgbClr val="202122"/>
+                </a:solidFill>
+                <a:latin typeface="Noto Sans Bold"/>
+              </a:rPr>
+              <a:t> do </a:t>
+            </a:r>
+            <a:r>
+              <a:rPr lang="de-DE" dirty="0" err="1">
+                <a:solidFill>
+                  <a:srgbClr val="202122"/>
+                </a:solidFill>
+                <a:latin typeface="Noto Sans Bold"/>
+              </a:rPr>
+              <a:t>we</a:t>
+            </a:r>
+            <a:r>
+              <a:rPr lang="de-DE" dirty="0">
+                <a:solidFill>
+                  <a:srgbClr val="202122"/>
+                </a:solidFill>
+                <a:latin typeface="Noto Sans Bold"/>
+              </a:rPr>
+              <a:t> </a:t>
+            </a:r>
+            <a:r>
+              <a:rPr lang="de-DE" dirty="0" err="1">
+                <a:solidFill>
+                  <a:srgbClr val="202122"/>
+                </a:solidFill>
+                <a:latin typeface="Noto Sans Bold"/>
+              </a:rPr>
+              <a:t>want</a:t>
+            </a:r>
+            <a:r>
+              <a:rPr lang="de-DE" dirty="0">
+                <a:solidFill>
+                  <a:srgbClr val="202122"/>
+                </a:solidFill>
+                <a:latin typeface="Noto Sans Bold"/>
+              </a:rPr>
+              <a:t> </a:t>
+            </a:r>
+            <a:r>
+              <a:rPr lang="de-DE" dirty="0" err="1">
+                <a:solidFill>
+                  <a:srgbClr val="202122"/>
+                </a:solidFill>
+                <a:latin typeface="Noto Sans Bold"/>
+              </a:rPr>
+              <a:t>to</a:t>
+            </a:r>
+            <a:r>
+              <a:rPr lang="de-DE" dirty="0">
+                <a:solidFill>
+                  <a:srgbClr val="202122"/>
+                </a:solidFill>
+                <a:latin typeface="Noto Sans Bold"/>
+              </a:rPr>
+              <a:t> </a:t>
+            </a:r>
+            <a:r>
+              <a:rPr lang="de-DE" dirty="0" err="1">
+                <a:solidFill>
+                  <a:srgbClr val="202122"/>
+                </a:solidFill>
+                <a:latin typeface="Noto Sans Bold"/>
+              </a:rPr>
+              <a:t>use</a:t>
+            </a:r>
+            <a:r>
+              <a:rPr lang="de-DE" dirty="0">
+                <a:solidFill>
+                  <a:srgbClr val="202122"/>
+                </a:solidFill>
+                <a:latin typeface="Noto Sans Bold"/>
+              </a:rPr>
+              <a:t> </a:t>
+            </a:r>
+            <a:r>
+              <a:rPr lang="de-DE" dirty="0" err="1">
+                <a:solidFill>
+                  <a:srgbClr val="202122"/>
+                </a:solidFill>
+                <a:latin typeface="Noto Sans Bold"/>
+              </a:rPr>
+              <a:t>besides</a:t>
+            </a:r>
+            <a:r>
+              <a:rPr lang="de-DE" dirty="0">
+                <a:solidFill>
+                  <a:srgbClr val="202122"/>
+                </a:solidFill>
+                <a:latin typeface="Noto Sans Bold"/>
+              </a:rPr>
+              <a:t> </a:t>
+            </a:r>
+            <a:r>
+              <a:rPr lang="de-DE" dirty="0" err="1">
+                <a:solidFill>
+                  <a:srgbClr val="202122"/>
+                </a:solidFill>
+                <a:latin typeface="Noto Sans Bold"/>
+              </a:rPr>
+              <a:t>income</a:t>
+            </a:r>
+            <a:r>
+              <a:rPr lang="de-DE" dirty="0">
+                <a:solidFill>
+                  <a:srgbClr val="202122"/>
+                </a:solidFill>
+                <a:latin typeface="Noto Sans Bold"/>
+              </a:rPr>
+              <a:t> and </a:t>
+            </a:r>
+            <a:r>
+              <a:rPr lang="de-DE" dirty="0" err="1">
+                <a:solidFill>
+                  <a:srgbClr val="202122"/>
+                </a:solidFill>
+                <a:latin typeface="Noto Sans Bold"/>
+              </a:rPr>
+              <a:t>rent</a:t>
+            </a:r>
+            <a:r>
+              <a:rPr lang="de-DE" dirty="0">
+                <a:solidFill>
+                  <a:srgbClr val="202122"/>
+                </a:solidFill>
+                <a:latin typeface="Noto Sans Bold"/>
+              </a:rPr>
+              <a:t>? </a:t>
+            </a:r>
+          </a:p>
+          <a:p>
+            <a:pPr lvl="1" indent="0">
+              <a:buNone/>
             </a:pPr>
             <a:endParaRPr lang="de-DE" dirty="0">
               <a:solidFill>
@@ -10092,330 +10664,6 @@
               </a:solidFill>
               <a:latin typeface="Noto Sans Bold"/>
             </a:endParaRPr>
-          </a:p>
-          <a:p>
-            <a:pPr marL="342900" indent="-342900">
-              <a:buFontTx/>
-              <a:buChar char="-"/>
-            </a:pPr>
-            <a:r>
-              <a:rPr lang="de-DE" dirty="0">
-                <a:solidFill>
-                  <a:srgbClr val="202122"/>
-                </a:solidFill>
-                <a:latin typeface="Noto Sans Bold"/>
-              </a:rPr>
-              <a:t>Open </a:t>
-            </a:r>
-            <a:r>
-              <a:rPr lang="de-DE" dirty="0" err="1">
-                <a:solidFill>
-                  <a:srgbClr val="202122"/>
-                </a:solidFill>
-                <a:latin typeface="Noto Sans Bold"/>
-              </a:rPr>
-              <a:t>questions</a:t>
-            </a:r>
-            <a:r>
-              <a:rPr lang="de-DE" dirty="0">
-                <a:solidFill>
-                  <a:srgbClr val="202122"/>
-                </a:solidFill>
-                <a:latin typeface="Noto Sans Bold"/>
-              </a:rPr>
-              <a:t>:</a:t>
-            </a:r>
-          </a:p>
-          <a:p>
-            <a:pPr marL="1028700" lvl="1" indent="-342900">
-              <a:buFontTx/>
-              <a:buChar char="-"/>
-            </a:pPr>
-            <a:r>
-              <a:rPr lang="de-DE" dirty="0">
-                <a:solidFill>
-                  <a:srgbClr val="202122"/>
-                </a:solidFill>
-                <a:latin typeface="Noto Sans Bold"/>
-              </a:rPr>
-              <a:t>eventual </a:t>
-            </a:r>
-            <a:r>
-              <a:rPr lang="de-DE" dirty="0" err="1">
-                <a:solidFill>
-                  <a:srgbClr val="202122"/>
-                </a:solidFill>
-                <a:latin typeface="Noto Sans Bold"/>
-              </a:rPr>
-              <a:t>output</a:t>
-            </a:r>
-            <a:r>
-              <a:rPr lang="de-DE" dirty="0">
-                <a:solidFill>
-                  <a:srgbClr val="202122"/>
-                </a:solidFill>
-                <a:latin typeface="Noto Sans Bold"/>
-              </a:rPr>
-              <a:t>: Plots and/</a:t>
-            </a:r>
-            <a:r>
-              <a:rPr lang="de-DE" dirty="0" err="1">
-                <a:solidFill>
-                  <a:srgbClr val="202122"/>
-                </a:solidFill>
-                <a:latin typeface="Noto Sans Bold"/>
-              </a:rPr>
-              <a:t>or</a:t>
-            </a:r>
-            <a:r>
-              <a:rPr lang="de-DE" dirty="0">
-                <a:solidFill>
-                  <a:srgbClr val="202122"/>
-                </a:solidFill>
-                <a:latin typeface="Noto Sans Bold"/>
-              </a:rPr>
-              <a:t> </a:t>
-            </a:r>
-            <a:r>
-              <a:rPr lang="de-DE" dirty="0" err="1">
-                <a:solidFill>
-                  <a:srgbClr val="202122"/>
-                </a:solidFill>
-                <a:latin typeface="Noto Sans Bold"/>
-              </a:rPr>
-              <a:t>interactive</a:t>
-            </a:r>
-            <a:r>
-              <a:rPr lang="de-DE" dirty="0">
-                <a:solidFill>
-                  <a:srgbClr val="202122"/>
-                </a:solidFill>
-                <a:latin typeface="Noto Sans Bold"/>
-              </a:rPr>
-              <a:t> </a:t>
-            </a:r>
-            <a:r>
-              <a:rPr lang="de-DE" dirty="0" err="1">
-                <a:solidFill>
-                  <a:srgbClr val="202122"/>
-                </a:solidFill>
-                <a:latin typeface="Noto Sans Bold"/>
-              </a:rPr>
-              <a:t>map</a:t>
-            </a:r>
-            <a:r>
-              <a:rPr lang="de-DE" dirty="0">
-                <a:solidFill>
-                  <a:srgbClr val="202122"/>
-                </a:solidFill>
-                <a:latin typeface="Noto Sans Bold"/>
-              </a:rPr>
-              <a:t>?</a:t>
-            </a:r>
-          </a:p>
-          <a:p>
-            <a:pPr marL="1028700" lvl="1" indent="-342900">
-              <a:buFontTx/>
-              <a:buChar char="-"/>
-            </a:pPr>
-            <a:r>
-              <a:rPr lang="de-DE" dirty="0" err="1">
-                <a:solidFill>
-                  <a:srgbClr val="202122"/>
-                </a:solidFill>
-                <a:latin typeface="Noto Sans Bold"/>
-              </a:rPr>
-              <a:t>What</a:t>
-            </a:r>
-            <a:r>
-              <a:rPr lang="de-DE" dirty="0">
-                <a:solidFill>
-                  <a:srgbClr val="202122"/>
-                </a:solidFill>
-                <a:latin typeface="Noto Sans Bold"/>
-              </a:rPr>
-              <a:t> </a:t>
-            </a:r>
-            <a:r>
-              <a:rPr lang="de-DE" dirty="0" err="1">
-                <a:solidFill>
-                  <a:srgbClr val="202122"/>
-                </a:solidFill>
-                <a:latin typeface="Noto Sans Bold"/>
-              </a:rPr>
-              <a:t>kind</a:t>
-            </a:r>
-            <a:r>
-              <a:rPr lang="de-DE" dirty="0">
-                <a:solidFill>
-                  <a:srgbClr val="202122"/>
-                </a:solidFill>
-                <a:latin typeface="Noto Sans Bold"/>
-              </a:rPr>
-              <a:t> </a:t>
-            </a:r>
-            <a:r>
-              <a:rPr lang="de-DE" dirty="0" err="1">
-                <a:solidFill>
-                  <a:srgbClr val="202122"/>
-                </a:solidFill>
-                <a:latin typeface="Noto Sans Bold"/>
-              </a:rPr>
-              <a:t>of</a:t>
-            </a:r>
-            <a:r>
-              <a:rPr lang="de-DE" dirty="0">
-                <a:solidFill>
-                  <a:srgbClr val="202122"/>
-                </a:solidFill>
-                <a:latin typeface="Noto Sans Bold"/>
-              </a:rPr>
-              <a:t> social </a:t>
-            </a:r>
-            <a:r>
-              <a:rPr lang="de-DE" dirty="0" err="1">
-                <a:solidFill>
-                  <a:srgbClr val="202122"/>
-                </a:solidFill>
-                <a:latin typeface="Noto Sans Bold"/>
-              </a:rPr>
-              <a:t>metrics</a:t>
-            </a:r>
-            <a:r>
-              <a:rPr lang="de-DE" dirty="0">
-                <a:solidFill>
-                  <a:srgbClr val="202122"/>
-                </a:solidFill>
-                <a:latin typeface="Noto Sans Bold"/>
-              </a:rPr>
-              <a:t> do </a:t>
-            </a:r>
-            <a:r>
-              <a:rPr lang="de-DE" dirty="0" err="1">
-                <a:solidFill>
-                  <a:srgbClr val="202122"/>
-                </a:solidFill>
-                <a:latin typeface="Noto Sans Bold"/>
-              </a:rPr>
-              <a:t>we</a:t>
-            </a:r>
-            <a:r>
-              <a:rPr lang="de-DE" dirty="0">
-                <a:solidFill>
-                  <a:srgbClr val="202122"/>
-                </a:solidFill>
-                <a:latin typeface="Noto Sans Bold"/>
-              </a:rPr>
-              <a:t> </a:t>
-            </a:r>
-            <a:r>
-              <a:rPr lang="de-DE" dirty="0" err="1">
-                <a:solidFill>
-                  <a:srgbClr val="202122"/>
-                </a:solidFill>
-                <a:latin typeface="Noto Sans Bold"/>
-              </a:rPr>
-              <a:t>want</a:t>
-            </a:r>
-            <a:r>
-              <a:rPr lang="de-DE" dirty="0">
-                <a:solidFill>
-                  <a:srgbClr val="202122"/>
-                </a:solidFill>
-                <a:latin typeface="Noto Sans Bold"/>
-              </a:rPr>
-              <a:t> </a:t>
-            </a:r>
-            <a:r>
-              <a:rPr lang="de-DE" dirty="0" err="1">
-                <a:solidFill>
-                  <a:srgbClr val="202122"/>
-                </a:solidFill>
-                <a:latin typeface="Noto Sans Bold"/>
-              </a:rPr>
-              <a:t>to</a:t>
-            </a:r>
-            <a:r>
-              <a:rPr lang="de-DE" dirty="0">
-                <a:solidFill>
-                  <a:srgbClr val="202122"/>
-                </a:solidFill>
-                <a:latin typeface="Noto Sans Bold"/>
-              </a:rPr>
-              <a:t> </a:t>
-            </a:r>
-            <a:r>
-              <a:rPr lang="de-DE" dirty="0" err="1">
-                <a:solidFill>
-                  <a:srgbClr val="202122"/>
-                </a:solidFill>
-                <a:latin typeface="Noto Sans Bold"/>
-              </a:rPr>
-              <a:t>use</a:t>
-            </a:r>
-            <a:r>
-              <a:rPr lang="de-DE" dirty="0">
-                <a:solidFill>
-                  <a:srgbClr val="202122"/>
-                </a:solidFill>
-                <a:latin typeface="Noto Sans Bold"/>
-              </a:rPr>
-              <a:t> </a:t>
-            </a:r>
-            <a:r>
-              <a:rPr lang="de-DE" dirty="0" err="1">
-                <a:solidFill>
-                  <a:srgbClr val="202122"/>
-                </a:solidFill>
-                <a:latin typeface="Noto Sans Bold"/>
-              </a:rPr>
-              <a:t>besides</a:t>
-            </a:r>
-            <a:r>
-              <a:rPr lang="de-DE" dirty="0">
-                <a:solidFill>
-                  <a:srgbClr val="202122"/>
-                </a:solidFill>
-                <a:latin typeface="Noto Sans Bold"/>
-              </a:rPr>
-              <a:t> </a:t>
-            </a:r>
-            <a:r>
-              <a:rPr lang="de-DE" dirty="0" err="1">
-                <a:solidFill>
-                  <a:srgbClr val="202122"/>
-                </a:solidFill>
-                <a:latin typeface="Noto Sans Bold"/>
-              </a:rPr>
-              <a:t>income</a:t>
-            </a:r>
-            <a:r>
-              <a:rPr lang="de-DE" dirty="0">
-                <a:solidFill>
-                  <a:srgbClr val="202122"/>
-                </a:solidFill>
-                <a:latin typeface="Noto Sans Bold"/>
-              </a:rPr>
-              <a:t> and </a:t>
-            </a:r>
-            <a:r>
-              <a:rPr lang="de-DE" dirty="0" err="1">
-                <a:solidFill>
-                  <a:srgbClr val="202122"/>
-                </a:solidFill>
-                <a:latin typeface="Noto Sans Bold"/>
-              </a:rPr>
-              <a:t>rent</a:t>
-            </a:r>
-            <a:r>
-              <a:rPr lang="de-DE" dirty="0">
-                <a:solidFill>
-                  <a:srgbClr val="202122"/>
-                </a:solidFill>
-                <a:latin typeface="Noto Sans Bold"/>
-              </a:rPr>
-              <a:t>? </a:t>
-            </a:r>
           </a:p>
           <a:p>
             <a:pPr lvl="1" indent="0">

--- a/overview student project.pptx
+++ b/overview student project.pptx
@@ -9,7 +9,7 @@
     <p:sldId id="256" r:id="rId3"/>
     <p:sldId id="272" r:id="rId4"/>
     <p:sldId id="273" r:id="rId5"/>
-    <p:sldId id="275" r:id="rId6"/>
+    <p:sldId id="277" r:id="rId6"/>
     <p:sldId id="276" r:id="rId7"/>
     <p:sldId id="274" r:id="rId8"/>
   </p:sldIdLst>
@@ -132,270 +132,6 @@
 
 <file path=ppt/changesInfos/changesInfo1.xml><?xml version="1.0" encoding="utf-8"?>
 <pc:chgInfo xmlns:a="http://schemas.openxmlformats.org/drawingml/2006/main" xmlns:r="http://schemas.openxmlformats.org/officeDocument/2006/relationships" xmlns:ac="http://schemas.microsoft.com/office/drawing/2013/main/command" xmlns:pc="http://schemas.microsoft.com/office/powerpoint/2013/main/command">
-  <pc:docChgLst>
-    <pc:chgData name="Richard Prußas" userId="95997a070391755a" providerId="LiveId" clId="{EE22F5F0-5606-419F-81A2-2B90EFBE1A4F}"/>
-    <pc:docChg chg="undo custSel addSld delSld modSld modShowInfo">
-      <pc:chgData name="Richard Prußas" userId="95997a070391755a" providerId="LiveId" clId="{EE22F5F0-5606-419F-81A2-2B90EFBE1A4F}" dt="2021-01-19T17:06:46.467" v="1912" actId="1076"/>
-      <pc:docMkLst>
-        <pc:docMk/>
-      </pc:docMkLst>
-      <pc:sldChg chg="modSp mod">
-        <pc:chgData name="Richard Prußas" userId="95997a070391755a" providerId="LiveId" clId="{EE22F5F0-5606-419F-81A2-2B90EFBE1A4F}" dt="2021-01-19T17:06:46.467" v="1912" actId="1076"/>
-        <pc:sldMkLst>
-          <pc:docMk/>
-          <pc:sldMk cId="3865996125" sldId="264"/>
-        </pc:sldMkLst>
-        <pc:picChg chg="mod">
-          <ac:chgData name="Richard Prußas" userId="95997a070391755a" providerId="LiveId" clId="{EE22F5F0-5606-419F-81A2-2B90EFBE1A4F}" dt="2021-01-19T17:06:46.467" v="1912" actId="1076"/>
-          <ac:picMkLst>
-            <pc:docMk/>
-            <pc:sldMk cId="3865996125" sldId="264"/>
-            <ac:picMk id="7" creationId="{B9032310-4188-40ED-9C11-143008FC78CE}"/>
-          </ac:picMkLst>
-        </pc:picChg>
-      </pc:sldChg>
-      <pc:sldChg chg="modSp mod">
-        <pc:chgData name="Richard Prußas" userId="95997a070391755a" providerId="LiveId" clId="{EE22F5F0-5606-419F-81A2-2B90EFBE1A4F}" dt="2021-01-19T17:05:29.953" v="1910" actId="20577"/>
-        <pc:sldMkLst>
-          <pc:docMk/>
-          <pc:sldMk cId="1286434338" sldId="269"/>
-        </pc:sldMkLst>
-        <pc:spChg chg="mod">
-          <ac:chgData name="Richard Prußas" userId="95997a070391755a" providerId="LiveId" clId="{EE22F5F0-5606-419F-81A2-2B90EFBE1A4F}" dt="2021-01-19T17:05:29.953" v="1910" actId="20577"/>
-          <ac:spMkLst>
-            <pc:docMk/>
-            <pc:sldMk cId="1286434338" sldId="269"/>
-            <ac:spMk id="3" creationId="{E7C28288-6F92-4953-9885-88FE3A8ABE45}"/>
-          </ac:spMkLst>
-        </pc:spChg>
-      </pc:sldChg>
-      <pc:sldChg chg="modSp mod">
-        <pc:chgData name="Richard Prußas" userId="95997a070391755a" providerId="LiveId" clId="{EE22F5F0-5606-419F-81A2-2B90EFBE1A4F}" dt="2021-01-17T01:44:48.054" v="1103" actId="255"/>
-        <pc:sldMkLst>
-          <pc:docMk/>
-          <pc:sldMk cId="2320013059" sldId="271"/>
-        </pc:sldMkLst>
-        <pc:spChg chg="mod">
-          <ac:chgData name="Richard Prußas" userId="95997a070391755a" providerId="LiveId" clId="{EE22F5F0-5606-419F-81A2-2B90EFBE1A4F}" dt="2021-01-17T01:44:48.054" v="1103" actId="255"/>
-          <ac:spMkLst>
-            <pc:docMk/>
-            <pc:sldMk cId="2320013059" sldId="271"/>
-            <ac:spMk id="4" creationId="{430DA712-3E81-4A18-B967-B541CD754841}"/>
-          </ac:spMkLst>
-        </pc:spChg>
-        <pc:spChg chg="mod">
-          <ac:chgData name="Richard Prußas" userId="95997a070391755a" providerId="LiveId" clId="{EE22F5F0-5606-419F-81A2-2B90EFBE1A4F}" dt="2021-01-17T01:23:50.250" v="685" actId="20577"/>
-          <ac:spMkLst>
-            <pc:docMk/>
-            <pc:sldMk cId="2320013059" sldId="271"/>
-            <ac:spMk id="5" creationId="{CDD260A8-E043-4C62-B0C5-6472B687F29F}"/>
-          </ac:spMkLst>
-        </pc:spChg>
-      </pc:sldChg>
-      <pc:sldChg chg="modSp mod">
-        <pc:chgData name="Richard Prußas" userId="95997a070391755a" providerId="LiveId" clId="{EE22F5F0-5606-419F-81A2-2B90EFBE1A4F}" dt="2021-01-17T01:44:32.707" v="1102" actId="255"/>
-        <pc:sldMkLst>
-          <pc:docMk/>
-          <pc:sldMk cId="3717923415" sldId="272"/>
-        </pc:sldMkLst>
-        <pc:spChg chg="mod">
-          <ac:chgData name="Richard Prußas" userId="95997a070391755a" providerId="LiveId" clId="{EE22F5F0-5606-419F-81A2-2B90EFBE1A4F}" dt="2021-01-17T01:44:32.707" v="1102" actId="255"/>
-          <ac:spMkLst>
-            <pc:docMk/>
-            <pc:sldMk cId="3717923415" sldId="272"/>
-            <ac:spMk id="2" creationId="{2721229F-F71F-4F54-9B3C-65369978C7AB}"/>
-          </ac:spMkLst>
-        </pc:spChg>
-        <pc:spChg chg="mod">
-          <ac:chgData name="Richard Prußas" userId="95997a070391755a" providerId="LiveId" clId="{EE22F5F0-5606-419F-81A2-2B90EFBE1A4F}" dt="2021-01-17T01:13:15.275" v="609" actId="20577"/>
-          <ac:spMkLst>
-            <pc:docMk/>
-            <pc:sldMk cId="3717923415" sldId="272"/>
-            <ac:spMk id="3" creationId="{BF443B84-3FB3-479F-A968-ECE71FD4DD3B}"/>
-          </ac:spMkLst>
-        </pc:spChg>
-      </pc:sldChg>
-      <pc:sldChg chg="addSp modSp mod">
-        <pc:chgData name="Richard Prußas" userId="95997a070391755a" providerId="LiveId" clId="{EE22F5F0-5606-419F-81A2-2B90EFBE1A4F}" dt="2021-01-19T16:32:40.774" v="1724" actId="27636"/>
-        <pc:sldMkLst>
-          <pc:docMk/>
-          <pc:sldMk cId="1993307517" sldId="273"/>
-        </pc:sldMkLst>
-        <pc:spChg chg="mod">
-          <ac:chgData name="Richard Prußas" userId="95997a070391755a" providerId="LiveId" clId="{EE22F5F0-5606-419F-81A2-2B90EFBE1A4F}" dt="2021-01-17T01:43:40.758" v="1098" actId="255"/>
-          <ac:spMkLst>
-            <pc:docMk/>
-            <pc:sldMk cId="1993307517" sldId="273"/>
-            <ac:spMk id="2" creationId="{2721229F-F71F-4F54-9B3C-65369978C7AB}"/>
-          </ac:spMkLst>
-        </pc:spChg>
-        <pc:spChg chg="mod">
-          <ac:chgData name="Richard Prußas" userId="95997a070391755a" providerId="LiveId" clId="{EE22F5F0-5606-419F-81A2-2B90EFBE1A4F}" dt="2021-01-19T16:32:40.774" v="1724" actId="27636"/>
-          <ac:spMkLst>
-            <pc:docMk/>
-            <pc:sldMk cId="1993307517" sldId="273"/>
-            <ac:spMk id="3" creationId="{BF443B84-3FB3-479F-A968-ECE71FD4DD3B}"/>
-          </ac:spMkLst>
-        </pc:spChg>
-        <pc:picChg chg="add mod">
-          <ac:chgData name="Richard Prußas" userId="95997a070391755a" providerId="LiveId" clId="{EE22F5F0-5606-419F-81A2-2B90EFBE1A4F}" dt="2021-01-19T16:31:51.896" v="1638" actId="14100"/>
-          <ac:picMkLst>
-            <pc:docMk/>
-            <pc:sldMk cId="1993307517" sldId="273"/>
-            <ac:picMk id="4" creationId="{01624E32-E81B-4DAC-8D83-3E10670943E5}"/>
-          </ac:picMkLst>
-        </pc:picChg>
-      </pc:sldChg>
-      <pc:sldChg chg="addSp delSp modSp mod">
-        <pc:chgData name="Richard Prußas" userId="95997a070391755a" providerId="LiveId" clId="{EE22F5F0-5606-419F-81A2-2B90EFBE1A4F}" dt="2021-01-17T15:42:13.591" v="1555" actId="20577"/>
-        <pc:sldMkLst>
-          <pc:docMk/>
-          <pc:sldMk cId="515398634" sldId="274"/>
-        </pc:sldMkLst>
-        <pc:spChg chg="mod">
-          <ac:chgData name="Richard Prußas" userId="95997a070391755a" providerId="LiveId" clId="{EE22F5F0-5606-419F-81A2-2B90EFBE1A4F}" dt="2021-01-17T15:42:13.591" v="1555" actId="20577"/>
-          <ac:spMkLst>
-            <pc:docMk/>
-            <pc:sldMk cId="515398634" sldId="274"/>
-            <ac:spMk id="2" creationId="{2721229F-F71F-4F54-9B3C-65369978C7AB}"/>
-          </ac:spMkLst>
-        </pc:spChg>
-        <pc:spChg chg="del">
-          <ac:chgData name="Richard Prußas" userId="95997a070391755a" providerId="LiveId" clId="{EE22F5F0-5606-419F-81A2-2B90EFBE1A4F}" dt="2021-01-17T00:33:06.745" v="307" actId="22"/>
-          <ac:spMkLst>
-            <pc:docMk/>
-            <pc:sldMk cId="515398634" sldId="274"/>
-            <ac:spMk id="3" creationId="{BF443B84-3FB3-479F-A968-ECE71FD4DD3B}"/>
-          </ac:spMkLst>
-        </pc:spChg>
-        <pc:picChg chg="add mod ord">
-          <ac:chgData name="Richard Prußas" userId="95997a070391755a" providerId="LiveId" clId="{EE22F5F0-5606-419F-81A2-2B90EFBE1A4F}" dt="2021-01-17T15:41:19.586" v="1545" actId="1076"/>
-          <ac:picMkLst>
-            <pc:docMk/>
-            <pc:sldMk cId="515398634" sldId="274"/>
-            <ac:picMk id="5" creationId="{FFBFE34F-7FEB-43E3-BE57-60110F596728}"/>
-          </ac:picMkLst>
-        </pc:picChg>
-      </pc:sldChg>
-      <pc:sldChg chg="addSp delSp modSp mod modAnim">
-        <pc:chgData name="Richard Prußas" userId="95997a070391755a" providerId="LiveId" clId="{EE22F5F0-5606-419F-81A2-2B90EFBE1A4F}" dt="2021-01-19T16:46:48.417" v="1909" actId="20577"/>
-        <pc:sldMkLst>
-          <pc:docMk/>
-          <pc:sldMk cId="1783861273" sldId="275"/>
-        </pc:sldMkLst>
-        <pc:spChg chg="mod">
-          <ac:chgData name="Richard Prußas" userId="95997a070391755a" providerId="LiveId" clId="{EE22F5F0-5606-419F-81A2-2B90EFBE1A4F}" dt="2021-01-17T01:47:21.378" v="1126" actId="404"/>
-          <ac:spMkLst>
-            <pc:docMk/>
-            <pc:sldMk cId="1783861273" sldId="275"/>
-            <ac:spMk id="2" creationId="{2721229F-F71F-4F54-9B3C-65369978C7AB}"/>
-          </ac:spMkLst>
-        </pc:spChg>
-        <pc:spChg chg="del">
-          <ac:chgData name="Richard Prußas" userId="95997a070391755a" providerId="LiveId" clId="{EE22F5F0-5606-419F-81A2-2B90EFBE1A4F}" dt="2021-01-16T17:23:51.786" v="46" actId="22"/>
-          <ac:spMkLst>
-            <pc:docMk/>
-            <pc:sldMk cId="1783861273" sldId="275"/>
-            <ac:spMk id="3" creationId="{BF443B84-3FB3-479F-A968-ECE71FD4DD3B}"/>
-          </ac:spMkLst>
-        </pc:spChg>
-        <pc:spChg chg="add del mod">
-          <ac:chgData name="Richard Prußas" userId="95997a070391755a" providerId="LiveId" clId="{EE22F5F0-5606-419F-81A2-2B90EFBE1A4F}" dt="2021-01-16T17:24:14.774" v="48"/>
-          <ac:spMkLst>
-            <pc:docMk/>
-            <pc:sldMk cId="1783861273" sldId="275"/>
-            <ac:spMk id="7" creationId="{28AC43A7-5478-40FC-94CA-459B1BFF304D}"/>
-          </ac:spMkLst>
-        </pc:spChg>
-        <pc:spChg chg="add del mod">
-          <ac:chgData name="Richard Prußas" userId="95997a070391755a" providerId="LiveId" clId="{EE22F5F0-5606-419F-81A2-2B90EFBE1A4F}" dt="2021-01-16T17:34:59.837" v="60" actId="22"/>
-          <ac:spMkLst>
-            <pc:docMk/>
-            <pc:sldMk cId="1783861273" sldId="275"/>
-            <ac:spMk id="10" creationId="{AAF1ABA1-2BD8-44E6-A409-7703B368ABFE}"/>
-          </ac:spMkLst>
-        </pc:spChg>
-        <pc:spChg chg="add mod">
-          <ac:chgData name="Richard Prußas" userId="95997a070391755a" providerId="LiveId" clId="{EE22F5F0-5606-419F-81A2-2B90EFBE1A4F}" dt="2021-01-19T16:46:48.417" v="1909" actId="20577"/>
-          <ac:spMkLst>
-            <pc:docMk/>
-            <pc:sldMk cId="1783861273" sldId="275"/>
-            <ac:spMk id="14" creationId="{C9EFCEA0-78F8-4C05-BD50-5D777CF69855}"/>
-          </ac:spMkLst>
-        </pc:spChg>
-        <pc:picChg chg="add del mod ord">
-          <ac:chgData name="Richard Prußas" userId="95997a070391755a" providerId="LiveId" clId="{EE22F5F0-5606-419F-81A2-2B90EFBE1A4F}" dt="2021-01-16T17:24:12.282" v="47" actId="21"/>
-          <ac:picMkLst>
-            <pc:docMk/>
-            <pc:sldMk cId="1783861273" sldId="275"/>
-            <ac:picMk id="5" creationId="{E2339533-03DD-4B71-908D-0C7CAA92EF47}"/>
-          </ac:picMkLst>
-        </pc:picChg>
-        <pc:picChg chg="add del mod">
-          <ac:chgData name="Richard Prußas" userId="95997a070391755a" providerId="LiveId" clId="{EE22F5F0-5606-419F-81A2-2B90EFBE1A4F}" dt="2021-01-16T17:27:16.048" v="59" actId="478"/>
-          <ac:picMkLst>
-            <pc:docMk/>
-            <pc:sldMk cId="1783861273" sldId="275"/>
-            <ac:picMk id="8" creationId="{5184F86C-EB3A-4F05-8841-70FE289611AD}"/>
-          </ac:picMkLst>
-        </pc:picChg>
-        <pc:picChg chg="add del mod ord">
-          <ac:chgData name="Richard Prußas" userId="95997a070391755a" providerId="LiveId" clId="{EE22F5F0-5606-419F-81A2-2B90EFBE1A4F}" dt="2021-01-16T17:35:27.541" v="63" actId="478"/>
-          <ac:picMkLst>
-            <pc:docMk/>
-            <pc:sldMk cId="1783861273" sldId="275"/>
-            <ac:picMk id="12" creationId="{04AC2DEC-17F6-45BE-884B-3CEA1D920495}"/>
-          </ac:picMkLst>
-        </pc:picChg>
-        <pc:picChg chg="add del mod modCrop">
-          <ac:chgData name="Richard Prußas" userId="95997a070391755a" providerId="LiveId" clId="{EE22F5F0-5606-419F-81A2-2B90EFBE1A4F}" dt="2021-01-16T17:52:08.279" v="293" actId="478"/>
-          <ac:picMkLst>
-            <pc:docMk/>
-            <pc:sldMk cId="1783861273" sldId="275"/>
-            <ac:picMk id="16" creationId="{26A29534-AB01-4B33-BE06-D39E4E46DED0}"/>
-          </ac:picMkLst>
-        </pc:picChg>
-        <pc:picChg chg="add mod">
-          <ac:chgData name="Richard Prußas" userId="95997a070391755a" providerId="LiveId" clId="{EE22F5F0-5606-419F-81A2-2B90EFBE1A4F}" dt="2021-01-17T01:48:02.311" v="1138" actId="1076"/>
-          <ac:picMkLst>
-            <pc:docMk/>
-            <pc:sldMk cId="1783861273" sldId="275"/>
-            <ac:picMk id="18" creationId="{AEB6ABC3-E6DD-43BA-B1B2-90E09EE641B1}"/>
-          </ac:picMkLst>
-        </pc:picChg>
-      </pc:sldChg>
-      <pc:sldChg chg="modSp add del mod">
-        <pc:chgData name="Richard Prußas" userId="95997a070391755a" providerId="LiveId" clId="{EE22F5F0-5606-419F-81A2-2B90EFBE1A4F}" dt="2021-01-17T01:36:25.339" v="1073" actId="2696"/>
-        <pc:sldMkLst>
-          <pc:docMk/>
-          <pc:sldMk cId="4037109453" sldId="276"/>
-        </pc:sldMkLst>
-        <pc:spChg chg="mod">
-          <ac:chgData name="Richard Prußas" userId="95997a070391755a" providerId="LiveId" clId="{EE22F5F0-5606-419F-81A2-2B90EFBE1A4F}" dt="2021-01-17T00:46:23.011" v="601" actId="20577"/>
-          <ac:spMkLst>
-            <pc:docMk/>
-            <pc:sldMk cId="4037109453" sldId="276"/>
-            <ac:spMk id="14" creationId="{C9EFCEA0-78F8-4C05-BD50-5D777CF69855}"/>
-          </ac:spMkLst>
-        </pc:spChg>
-      </pc:sldChg>
-      <pc:sldChg chg="modSp add del mod modShow">
-        <pc:chgData name="Richard Prußas" userId="95997a070391755a" providerId="LiveId" clId="{EE22F5F0-5606-419F-81A2-2B90EFBE1A4F}" dt="2021-01-19T16:40:24.003" v="1850" actId="47"/>
-        <pc:sldMkLst>
-          <pc:docMk/>
-          <pc:sldMk cId="3834361682" sldId="277"/>
-        </pc:sldMkLst>
-        <pc:spChg chg="mod">
-          <ac:chgData name="Richard Prußas" userId="95997a070391755a" providerId="LiveId" clId="{EE22F5F0-5606-419F-81A2-2B90EFBE1A4F}" dt="2021-01-17T01:44:20.656" v="1101" actId="255"/>
-          <ac:spMkLst>
-            <pc:docMk/>
-            <pc:sldMk cId="3834361682" sldId="277"/>
-            <ac:spMk id="2" creationId="{2721229F-F71F-4F54-9B3C-65369978C7AB}"/>
-          </ac:spMkLst>
-        </pc:spChg>
-      </pc:sldChg>
-    </pc:docChg>
-  </pc:docChgLst>
   <pc:docChgLst>
     <pc:chgData name="Richard Prußas" userId="95997a070391755a" providerId="LiveId" clId="{A6B3ABA8-9542-46AA-B7BA-E0562E333046}"/>
     <pc:docChg chg="undo custSel modSld">
@@ -684,6 +420,270 @@
             <pc:docMk/>
             <pc:sldMk cId="2797590830" sldId="276"/>
             <ac:spMk id="14" creationId="{C9EFCEA0-78F8-4C05-BD50-5D777CF69855}"/>
+          </ac:spMkLst>
+        </pc:spChg>
+      </pc:sldChg>
+    </pc:docChg>
+  </pc:docChgLst>
+  <pc:docChgLst>
+    <pc:chgData name="Richard Prußas" userId="95997a070391755a" providerId="LiveId" clId="{EE22F5F0-5606-419F-81A2-2B90EFBE1A4F}"/>
+    <pc:docChg chg="undo custSel addSld delSld modSld modShowInfo">
+      <pc:chgData name="Richard Prußas" userId="95997a070391755a" providerId="LiveId" clId="{EE22F5F0-5606-419F-81A2-2B90EFBE1A4F}" dt="2021-01-19T17:06:46.467" v="1912" actId="1076"/>
+      <pc:docMkLst>
+        <pc:docMk/>
+      </pc:docMkLst>
+      <pc:sldChg chg="modSp mod">
+        <pc:chgData name="Richard Prußas" userId="95997a070391755a" providerId="LiveId" clId="{EE22F5F0-5606-419F-81A2-2B90EFBE1A4F}" dt="2021-01-19T17:06:46.467" v="1912" actId="1076"/>
+        <pc:sldMkLst>
+          <pc:docMk/>
+          <pc:sldMk cId="3865996125" sldId="264"/>
+        </pc:sldMkLst>
+        <pc:picChg chg="mod">
+          <ac:chgData name="Richard Prußas" userId="95997a070391755a" providerId="LiveId" clId="{EE22F5F0-5606-419F-81A2-2B90EFBE1A4F}" dt="2021-01-19T17:06:46.467" v="1912" actId="1076"/>
+          <ac:picMkLst>
+            <pc:docMk/>
+            <pc:sldMk cId="3865996125" sldId="264"/>
+            <ac:picMk id="7" creationId="{B9032310-4188-40ED-9C11-143008FC78CE}"/>
+          </ac:picMkLst>
+        </pc:picChg>
+      </pc:sldChg>
+      <pc:sldChg chg="modSp mod">
+        <pc:chgData name="Richard Prußas" userId="95997a070391755a" providerId="LiveId" clId="{EE22F5F0-5606-419F-81A2-2B90EFBE1A4F}" dt="2021-01-19T17:05:29.953" v="1910" actId="20577"/>
+        <pc:sldMkLst>
+          <pc:docMk/>
+          <pc:sldMk cId="1286434338" sldId="269"/>
+        </pc:sldMkLst>
+        <pc:spChg chg="mod">
+          <ac:chgData name="Richard Prußas" userId="95997a070391755a" providerId="LiveId" clId="{EE22F5F0-5606-419F-81A2-2B90EFBE1A4F}" dt="2021-01-19T17:05:29.953" v="1910" actId="20577"/>
+          <ac:spMkLst>
+            <pc:docMk/>
+            <pc:sldMk cId="1286434338" sldId="269"/>
+            <ac:spMk id="3" creationId="{E7C28288-6F92-4953-9885-88FE3A8ABE45}"/>
+          </ac:spMkLst>
+        </pc:spChg>
+      </pc:sldChg>
+      <pc:sldChg chg="modSp mod">
+        <pc:chgData name="Richard Prußas" userId="95997a070391755a" providerId="LiveId" clId="{EE22F5F0-5606-419F-81A2-2B90EFBE1A4F}" dt="2021-01-17T01:44:48.054" v="1103" actId="255"/>
+        <pc:sldMkLst>
+          <pc:docMk/>
+          <pc:sldMk cId="2320013059" sldId="271"/>
+        </pc:sldMkLst>
+        <pc:spChg chg="mod">
+          <ac:chgData name="Richard Prußas" userId="95997a070391755a" providerId="LiveId" clId="{EE22F5F0-5606-419F-81A2-2B90EFBE1A4F}" dt="2021-01-17T01:44:48.054" v="1103" actId="255"/>
+          <ac:spMkLst>
+            <pc:docMk/>
+            <pc:sldMk cId="2320013059" sldId="271"/>
+            <ac:spMk id="4" creationId="{430DA712-3E81-4A18-B967-B541CD754841}"/>
+          </ac:spMkLst>
+        </pc:spChg>
+        <pc:spChg chg="mod">
+          <ac:chgData name="Richard Prußas" userId="95997a070391755a" providerId="LiveId" clId="{EE22F5F0-5606-419F-81A2-2B90EFBE1A4F}" dt="2021-01-17T01:23:50.250" v="685" actId="20577"/>
+          <ac:spMkLst>
+            <pc:docMk/>
+            <pc:sldMk cId="2320013059" sldId="271"/>
+            <ac:spMk id="5" creationId="{CDD260A8-E043-4C62-B0C5-6472B687F29F}"/>
+          </ac:spMkLst>
+        </pc:spChg>
+      </pc:sldChg>
+      <pc:sldChg chg="modSp mod">
+        <pc:chgData name="Richard Prußas" userId="95997a070391755a" providerId="LiveId" clId="{EE22F5F0-5606-419F-81A2-2B90EFBE1A4F}" dt="2021-01-17T01:44:32.707" v="1102" actId="255"/>
+        <pc:sldMkLst>
+          <pc:docMk/>
+          <pc:sldMk cId="3717923415" sldId="272"/>
+        </pc:sldMkLst>
+        <pc:spChg chg="mod">
+          <ac:chgData name="Richard Prußas" userId="95997a070391755a" providerId="LiveId" clId="{EE22F5F0-5606-419F-81A2-2B90EFBE1A4F}" dt="2021-01-17T01:44:32.707" v="1102" actId="255"/>
+          <ac:spMkLst>
+            <pc:docMk/>
+            <pc:sldMk cId="3717923415" sldId="272"/>
+            <ac:spMk id="2" creationId="{2721229F-F71F-4F54-9B3C-65369978C7AB}"/>
+          </ac:spMkLst>
+        </pc:spChg>
+        <pc:spChg chg="mod">
+          <ac:chgData name="Richard Prußas" userId="95997a070391755a" providerId="LiveId" clId="{EE22F5F0-5606-419F-81A2-2B90EFBE1A4F}" dt="2021-01-17T01:13:15.275" v="609" actId="20577"/>
+          <ac:spMkLst>
+            <pc:docMk/>
+            <pc:sldMk cId="3717923415" sldId="272"/>
+            <ac:spMk id="3" creationId="{BF443B84-3FB3-479F-A968-ECE71FD4DD3B}"/>
+          </ac:spMkLst>
+        </pc:spChg>
+      </pc:sldChg>
+      <pc:sldChg chg="addSp modSp mod">
+        <pc:chgData name="Richard Prußas" userId="95997a070391755a" providerId="LiveId" clId="{EE22F5F0-5606-419F-81A2-2B90EFBE1A4F}" dt="2021-01-19T16:32:40.774" v="1724" actId="27636"/>
+        <pc:sldMkLst>
+          <pc:docMk/>
+          <pc:sldMk cId="1993307517" sldId="273"/>
+        </pc:sldMkLst>
+        <pc:spChg chg="mod">
+          <ac:chgData name="Richard Prußas" userId="95997a070391755a" providerId="LiveId" clId="{EE22F5F0-5606-419F-81A2-2B90EFBE1A4F}" dt="2021-01-17T01:43:40.758" v="1098" actId="255"/>
+          <ac:spMkLst>
+            <pc:docMk/>
+            <pc:sldMk cId="1993307517" sldId="273"/>
+            <ac:spMk id="2" creationId="{2721229F-F71F-4F54-9B3C-65369978C7AB}"/>
+          </ac:spMkLst>
+        </pc:spChg>
+        <pc:spChg chg="mod">
+          <ac:chgData name="Richard Prußas" userId="95997a070391755a" providerId="LiveId" clId="{EE22F5F0-5606-419F-81A2-2B90EFBE1A4F}" dt="2021-01-19T16:32:40.774" v="1724" actId="27636"/>
+          <ac:spMkLst>
+            <pc:docMk/>
+            <pc:sldMk cId="1993307517" sldId="273"/>
+            <ac:spMk id="3" creationId="{BF443B84-3FB3-479F-A968-ECE71FD4DD3B}"/>
+          </ac:spMkLst>
+        </pc:spChg>
+        <pc:picChg chg="add mod">
+          <ac:chgData name="Richard Prußas" userId="95997a070391755a" providerId="LiveId" clId="{EE22F5F0-5606-419F-81A2-2B90EFBE1A4F}" dt="2021-01-19T16:31:51.896" v="1638" actId="14100"/>
+          <ac:picMkLst>
+            <pc:docMk/>
+            <pc:sldMk cId="1993307517" sldId="273"/>
+            <ac:picMk id="4" creationId="{01624E32-E81B-4DAC-8D83-3E10670943E5}"/>
+          </ac:picMkLst>
+        </pc:picChg>
+      </pc:sldChg>
+      <pc:sldChg chg="addSp delSp modSp mod">
+        <pc:chgData name="Richard Prußas" userId="95997a070391755a" providerId="LiveId" clId="{EE22F5F0-5606-419F-81A2-2B90EFBE1A4F}" dt="2021-01-17T15:42:13.591" v="1555" actId="20577"/>
+        <pc:sldMkLst>
+          <pc:docMk/>
+          <pc:sldMk cId="515398634" sldId="274"/>
+        </pc:sldMkLst>
+        <pc:spChg chg="mod">
+          <ac:chgData name="Richard Prußas" userId="95997a070391755a" providerId="LiveId" clId="{EE22F5F0-5606-419F-81A2-2B90EFBE1A4F}" dt="2021-01-17T15:42:13.591" v="1555" actId="20577"/>
+          <ac:spMkLst>
+            <pc:docMk/>
+            <pc:sldMk cId="515398634" sldId="274"/>
+            <ac:spMk id="2" creationId="{2721229F-F71F-4F54-9B3C-65369978C7AB}"/>
+          </ac:spMkLst>
+        </pc:spChg>
+        <pc:spChg chg="del">
+          <ac:chgData name="Richard Prußas" userId="95997a070391755a" providerId="LiveId" clId="{EE22F5F0-5606-419F-81A2-2B90EFBE1A4F}" dt="2021-01-17T00:33:06.745" v="307" actId="22"/>
+          <ac:spMkLst>
+            <pc:docMk/>
+            <pc:sldMk cId="515398634" sldId="274"/>
+            <ac:spMk id="3" creationId="{BF443B84-3FB3-479F-A968-ECE71FD4DD3B}"/>
+          </ac:spMkLst>
+        </pc:spChg>
+        <pc:picChg chg="add mod ord">
+          <ac:chgData name="Richard Prußas" userId="95997a070391755a" providerId="LiveId" clId="{EE22F5F0-5606-419F-81A2-2B90EFBE1A4F}" dt="2021-01-17T15:41:19.586" v="1545" actId="1076"/>
+          <ac:picMkLst>
+            <pc:docMk/>
+            <pc:sldMk cId="515398634" sldId="274"/>
+            <ac:picMk id="5" creationId="{FFBFE34F-7FEB-43E3-BE57-60110F596728}"/>
+          </ac:picMkLst>
+        </pc:picChg>
+      </pc:sldChg>
+      <pc:sldChg chg="addSp delSp modSp mod modAnim">
+        <pc:chgData name="Richard Prußas" userId="95997a070391755a" providerId="LiveId" clId="{EE22F5F0-5606-419F-81A2-2B90EFBE1A4F}" dt="2021-01-19T16:46:48.417" v="1909" actId="20577"/>
+        <pc:sldMkLst>
+          <pc:docMk/>
+          <pc:sldMk cId="1783861273" sldId="275"/>
+        </pc:sldMkLst>
+        <pc:spChg chg="mod">
+          <ac:chgData name="Richard Prußas" userId="95997a070391755a" providerId="LiveId" clId="{EE22F5F0-5606-419F-81A2-2B90EFBE1A4F}" dt="2021-01-17T01:47:21.378" v="1126" actId="404"/>
+          <ac:spMkLst>
+            <pc:docMk/>
+            <pc:sldMk cId="1783861273" sldId="275"/>
+            <ac:spMk id="2" creationId="{2721229F-F71F-4F54-9B3C-65369978C7AB}"/>
+          </ac:spMkLst>
+        </pc:spChg>
+        <pc:spChg chg="del">
+          <ac:chgData name="Richard Prußas" userId="95997a070391755a" providerId="LiveId" clId="{EE22F5F0-5606-419F-81A2-2B90EFBE1A4F}" dt="2021-01-16T17:23:51.786" v="46" actId="22"/>
+          <ac:spMkLst>
+            <pc:docMk/>
+            <pc:sldMk cId="1783861273" sldId="275"/>
+            <ac:spMk id="3" creationId="{BF443B84-3FB3-479F-A968-ECE71FD4DD3B}"/>
+          </ac:spMkLst>
+        </pc:spChg>
+        <pc:spChg chg="add del mod">
+          <ac:chgData name="Richard Prußas" userId="95997a070391755a" providerId="LiveId" clId="{EE22F5F0-5606-419F-81A2-2B90EFBE1A4F}" dt="2021-01-16T17:24:14.774" v="48"/>
+          <ac:spMkLst>
+            <pc:docMk/>
+            <pc:sldMk cId="1783861273" sldId="275"/>
+            <ac:spMk id="7" creationId="{28AC43A7-5478-40FC-94CA-459B1BFF304D}"/>
+          </ac:spMkLst>
+        </pc:spChg>
+        <pc:spChg chg="add del mod">
+          <ac:chgData name="Richard Prußas" userId="95997a070391755a" providerId="LiveId" clId="{EE22F5F0-5606-419F-81A2-2B90EFBE1A4F}" dt="2021-01-16T17:34:59.837" v="60" actId="22"/>
+          <ac:spMkLst>
+            <pc:docMk/>
+            <pc:sldMk cId="1783861273" sldId="275"/>
+            <ac:spMk id="10" creationId="{AAF1ABA1-2BD8-44E6-A409-7703B368ABFE}"/>
+          </ac:spMkLst>
+        </pc:spChg>
+        <pc:spChg chg="add mod">
+          <ac:chgData name="Richard Prußas" userId="95997a070391755a" providerId="LiveId" clId="{EE22F5F0-5606-419F-81A2-2B90EFBE1A4F}" dt="2021-01-19T16:46:48.417" v="1909" actId="20577"/>
+          <ac:spMkLst>
+            <pc:docMk/>
+            <pc:sldMk cId="1783861273" sldId="275"/>
+            <ac:spMk id="14" creationId="{C9EFCEA0-78F8-4C05-BD50-5D777CF69855}"/>
+          </ac:spMkLst>
+        </pc:spChg>
+        <pc:picChg chg="add del mod ord">
+          <ac:chgData name="Richard Prußas" userId="95997a070391755a" providerId="LiveId" clId="{EE22F5F0-5606-419F-81A2-2B90EFBE1A4F}" dt="2021-01-16T17:24:12.282" v="47" actId="21"/>
+          <ac:picMkLst>
+            <pc:docMk/>
+            <pc:sldMk cId="1783861273" sldId="275"/>
+            <ac:picMk id="5" creationId="{E2339533-03DD-4B71-908D-0C7CAA92EF47}"/>
+          </ac:picMkLst>
+        </pc:picChg>
+        <pc:picChg chg="add del mod">
+          <ac:chgData name="Richard Prußas" userId="95997a070391755a" providerId="LiveId" clId="{EE22F5F0-5606-419F-81A2-2B90EFBE1A4F}" dt="2021-01-16T17:27:16.048" v="59" actId="478"/>
+          <ac:picMkLst>
+            <pc:docMk/>
+            <pc:sldMk cId="1783861273" sldId="275"/>
+            <ac:picMk id="8" creationId="{5184F86C-EB3A-4F05-8841-70FE289611AD}"/>
+          </ac:picMkLst>
+        </pc:picChg>
+        <pc:picChg chg="add del mod ord">
+          <ac:chgData name="Richard Prußas" userId="95997a070391755a" providerId="LiveId" clId="{EE22F5F0-5606-419F-81A2-2B90EFBE1A4F}" dt="2021-01-16T17:35:27.541" v="63" actId="478"/>
+          <ac:picMkLst>
+            <pc:docMk/>
+            <pc:sldMk cId="1783861273" sldId="275"/>
+            <ac:picMk id="12" creationId="{04AC2DEC-17F6-45BE-884B-3CEA1D920495}"/>
+          </ac:picMkLst>
+        </pc:picChg>
+        <pc:picChg chg="add del mod modCrop">
+          <ac:chgData name="Richard Prußas" userId="95997a070391755a" providerId="LiveId" clId="{EE22F5F0-5606-419F-81A2-2B90EFBE1A4F}" dt="2021-01-16T17:52:08.279" v="293" actId="478"/>
+          <ac:picMkLst>
+            <pc:docMk/>
+            <pc:sldMk cId="1783861273" sldId="275"/>
+            <ac:picMk id="16" creationId="{26A29534-AB01-4B33-BE06-D39E4E46DED0}"/>
+          </ac:picMkLst>
+        </pc:picChg>
+        <pc:picChg chg="add mod">
+          <ac:chgData name="Richard Prußas" userId="95997a070391755a" providerId="LiveId" clId="{EE22F5F0-5606-419F-81A2-2B90EFBE1A4F}" dt="2021-01-17T01:48:02.311" v="1138" actId="1076"/>
+          <ac:picMkLst>
+            <pc:docMk/>
+            <pc:sldMk cId="1783861273" sldId="275"/>
+            <ac:picMk id="18" creationId="{AEB6ABC3-E6DD-43BA-B1B2-90E09EE641B1}"/>
+          </ac:picMkLst>
+        </pc:picChg>
+      </pc:sldChg>
+      <pc:sldChg chg="modSp add del mod">
+        <pc:chgData name="Richard Prußas" userId="95997a070391755a" providerId="LiveId" clId="{EE22F5F0-5606-419F-81A2-2B90EFBE1A4F}" dt="2021-01-17T01:36:25.339" v="1073" actId="2696"/>
+        <pc:sldMkLst>
+          <pc:docMk/>
+          <pc:sldMk cId="4037109453" sldId="276"/>
+        </pc:sldMkLst>
+        <pc:spChg chg="mod">
+          <ac:chgData name="Richard Prußas" userId="95997a070391755a" providerId="LiveId" clId="{EE22F5F0-5606-419F-81A2-2B90EFBE1A4F}" dt="2021-01-17T00:46:23.011" v="601" actId="20577"/>
+          <ac:spMkLst>
+            <pc:docMk/>
+            <pc:sldMk cId="4037109453" sldId="276"/>
+            <ac:spMk id="14" creationId="{C9EFCEA0-78F8-4C05-BD50-5D777CF69855}"/>
+          </ac:spMkLst>
+        </pc:spChg>
+      </pc:sldChg>
+      <pc:sldChg chg="modSp add del mod modShow">
+        <pc:chgData name="Richard Prußas" userId="95997a070391755a" providerId="LiveId" clId="{EE22F5F0-5606-419F-81A2-2B90EFBE1A4F}" dt="2021-01-19T16:40:24.003" v="1850" actId="47"/>
+        <pc:sldMkLst>
+          <pc:docMk/>
+          <pc:sldMk cId="3834361682" sldId="277"/>
+        </pc:sldMkLst>
+        <pc:spChg chg="mod">
+          <ac:chgData name="Richard Prußas" userId="95997a070391755a" providerId="LiveId" clId="{EE22F5F0-5606-419F-81A2-2B90EFBE1A4F}" dt="2021-01-17T01:44:20.656" v="1101" actId="255"/>
+          <ac:spMkLst>
+            <pc:docMk/>
+            <pc:sldMk cId="3834361682" sldId="277"/>
+            <ac:spMk id="2" creationId="{2721229F-F71F-4F54-9B3C-65369978C7AB}"/>
           </ac:spMkLst>
         </pc:spChg>
       </pc:sldChg>
@@ -8652,7 +8652,7 @@
         </p:spPr>
         <p:txBody>
           <a:bodyPr>
-            <a:normAutofit/>
+            <a:normAutofit fontScale="92500" lnSpcReduction="10000"/>
           </a:bodyPr>
           <a:lstStyle/>
           <a:p>
@@ -8661,100 +8661,28 @@
               <a:buChar char="-"/>
             </a:pPr>
             <a:r>
-              <a:rPr lang="de-DE" dirty="0"/>
-              <a:t>different </a:t>
-            </a:r>
-            <a:r>
-              <a:rPr lang="de-DE" dirty="0" err="1"/>
-              <a:t>metrics</a:t>
-            </a:r>
-            <a:r>
-              <a:rPr lang="de-DE" dirty="0"/>
-              <a:t> </a:t>
-            </a:r>
-            <a:r>
-              <a:rPr lang="de-DE" dirty="0" err="1"/>
-              <a:t>available</a:t>
-            </a:r>
-            <a:r>
-              <a:rPr lang="de-DE" dirty="0"/>
-              <a:t> </a:t>
-            </a:r>
-            <a:r>
-              <a:rPr lang="de-DE" dirty="0" err="1"/>
-              <a:t>to</a:t>
-            </a:r>
-            <a:r>
-              <a:rPr lang="de-DE" dirty="0"/>
-              <a:t> </a:t>
-            </a:r>
-            <a:r>
-              <a:rPr lang="de-DE" dirty="0" err="1"/>
-              <a:t>calculate</a:t>
-            </a:r>
-            <a:r>
-              <a:rPr lang="de-DE" dirty="0"/>
-              <a:t> </a:t>
-            </a:r>
-            <a:r>
-              <a:rPr lang="de-DE" dirty="0" err="1"/>
-              <a:t>vegetation</a:t>
-            </a:r>
-            <a:r>
-              <a:rPr lang="de-DE" dirty="0"/>
-              <a:t> </a:t>
-            </a:r>
-            <a:r>
-              <a:rPr lang="de-DE" dirty="0" err="1"/>
-              <a:t>density</a:t>
-            </a:r>
-            <a:r>
-              <a:rPr lang="de-DE" dirty="0"/>
-              <a:t> </a:t>
-            </a:r>
-            <a:r>
-              <a:rPr lang="de-DE" dirty="0" err="1"/>
-              <a:t>using</a:t>
-            </a:r>
-            <a:r>
-              <a:rPr lang="de-DE" dirty="0"/>
-              <a:t> </a:t>
-            </a:r>
-            <a:r>
-              <a:rPr lang="de-DE" dirty="0" err="1"/>
-              <a:t>satellite</a:t>
-            </a:r>
-            <a:r>
-              <a:rPr lang="de-DE" dirty="0"/>
-              <a:t> </a:t>
-            </a:r>
-            <a:r>
-              <a:rPr lang="de-DE" dirty="0" err="1"/>
-              <a:t>data</a:t>
-            </a:r>
-            <a:r>
-              <a:rPr lang="de-DE" dirty="0"/>
-              <a:t> e.g.:</a:t>
+              <a:rPr lang="en-US" dirty="0"/>
+              <a:t>different metrics available to calculate vegetation density using satellite data e.g.:</a:t>
             </a:r>
           </a:p>
           <a:p>
             <a:pPr marL="1028700" lvl="1" indent="-342900"/>
             <a:r>
-              <a:rPr lang="de-DE" b="1" dirty="0">
+              <a:rPr lang="en-US" b="1" dirty="0">
                 <a:latin typeface="Noto Sans Bold"/>
                 <a:sym typeface="Wingdings" panose="05000000000000000000" pitchFamily="2" charset="2"/>
               </a:rPr>
               <a:t>NDVI</a:t>
             </a:r>
             <a:r>
-              <a:rPr lang="de-DE" dirty="0">
+              <a:rPr lang="en-US" dirty="0">
                 <a:latin typeface="Noto Sans Bold"/>
                 <a:sym typeface="Wingdings" panose="05000000000000000000" pitchFamily="2" charset="2"/>
               </a:rPr>
               <a:t> (</a:t>
             </a:r>
             <a:r>
-              <a:rPr lang="de-DE" b="1" i="0" dirty="0" err="1">
+              <a:rPr lang="en-US" b="1" i="0" dirty="0">
                 <a:solidFill>
                   <a:srgbClr val="202122"/>
                 </a:solidFill>
@@ -8764,67 +8692,130 @@
               <a:t>N</a:t>
             </a:r>
             <a:r>
-              <a:rPr lang="de-DE" b="0" i="0" dirty="0" err="1">
+              <a:rPr lang="en-US" b="0" i="0" dirty="0">
                 <a:solidFill>
                   <a:srgbClr val="202122"/>
                 </a:solidFill>
                 <a:effectLst/>
                 <a:latin typeface="Noto Sans Bold"/>
               </a:rPr>
-              <a:t>ormalized</a:t>
-            </a:r>
-            <a:r>
-              <a:rPr lang="de-DE" b="0" i="0" dirty="0">
+              <a:t>ormalized </a:t>
+            </a:r>
+            <a:r>
+              <a:rPr lang="en-US" b="1" i="0" dirty="0">
                 <a:solidFill>
                   <a:srgbClr val="202122"/>
                 </a:solidFill>
                 <a:effectLst/>
                 <a:latin typeface="Noto Sans Bold"/>
               </a:rPr>
-              <a:t> </a:t>
-            </a:r>
-            <a:r>
-              <a:rPr lang="de-DE" b="1" i="0" dirty="0" err="1">
+              <a:t>D</a:t>
+            </a:r>
+            <a:r>
+              <a:rPr lang="en-US" b="0" i="0" dirty="0">
                 <a:solidFill>
                   <a:srgbClr val="202122"/>
                 </a:solidFill>
                 <a:effectLst/>
                 <a:latin typeface="Noto Sans Bold"/>
               </a:rPr>
-              <a:t>D</a:t>
-            </a:r>
-            <a:r>
-              <a:rPr lang="de-DE" b="0" i="0" dirty="0" err="1">
+              <a:t>ifferenced </a:t>
+            </a:r>
+            <a:r>
+              <a:rPr lang="en-US" b="1" i="0" dirty="0">
                 <a:solidFill>
                   <a:srgbClr val="202122"/>
                 </a:solidFill>
                 <a:effectLst/>
                 <a:latin typeface="Noto Sans Bold"/>
               </a:rPr>
-              <a:t>ifferenced</a:t>
-            </a:r>
-            <a:r>
-              <a:rPr lang="de-DE" b="0" i="0" dirty="0">
+              <a:t>V</a:t>
+            </a:r>
+            <a:r>
+              <a:rPr lang="en-US" b="0" i="0" dirty="0">
                 <a:solidFill>
                   <a:srgbClr val="202122"/>
                 </a:solidFill>
                 <a:effectLst/>
                 <a:latin typeface="Noto Sans Bold"/>
               </a:rPr>
-              <a:t> </a:t>
-            </a:r>
-            <a:r>
-              <a:rPr lang="de-DE" b="1" i="0" dirty="0">
+              <a:t>egetation </a:t>
+            </a:r>
+            <a:r>
+              <a:rPr lang="en-US" b="1" i="0" dirty="0">
                 <a:solidFill>
                   <a:srgbClr val="202122"/>
                 </a:solidFill>
                 <a:effectLst/>
                 <a:latin typeface="Noto Sans Bold"/>
               </a:rPr>
+              <a:t>I</a:t>
+            </a:r>
+            <a:r>
+              <a:rPr lang="en-US" b="0" i="0" dirty="0">
+                <a:solidFill>
+                  <a:srgbClr val="202122"/>
+                </a:solidFill>
+                <a:effectLst/>
+                <a:latin typeface="Noto Sans Bold"/>
+              </a:rPr>
+              <a:t>ndex)</a:t>
+            </a:r>
+          </a:p>
+          <a:p>
+            <a:pPr marL="1028700" lvl="1" indent="-342900"/>
+            <a:r>
+              <a:rPr lang="en-US" b="1" dirty="0">
+                <a:solidFill>
+                  <a:srgbClr val="202122"/>
+                </a:solidFill>
+                <a:latin typeface="Noto Sans Bold"/>
+                <a:sym typeface="Wingdings" panose="05000000000000000000" pitchFamily="2" charset="2"/>
+              </a:rPr>
+              <a:t>EVI </a:t>
+            </a:r>
+            <a:r>
+              <a:rPr lang="en-US" dirty="0">
+                <a:solidFill>
+                  <a:srgbClr val="202122"/>
+                </a:solidFill>
+                <a:latin typeface="Noto Sans Bold"/>
+                <a:sym typeface="Wingdings" panose="05000000000000000000" pitchFamily="2" charset="2"/>
+              </a:rPr>
+              <a:t>(</a:t>
+            </a:r>
+            <a:r>
+              <a:rPr lang="en-US" b="1" i="0" dirty="0">
+                <a:solidFill>
+                  <a:srgbClr val="202122"/>
+                </a:solidFill>
+                <a:effectLst/>
+                <a:latin typeface="Noto Sans Bold"/>
+              </a:rPr>
+              <a:t>E</a:t>
+            </a:r>
+            <a:r>
+              <a:rPr lang="en-US" b="0" i="0" dirty="0">
+                <a:solidFill>
+                  <a:srgbClr val="202122"/>
+                </a:solidFill>
+                <a:effectLst/>
+                <a:latin typeface="Noto Sans Bold"/>
+              </a:rPr>
+              <a:t>nhanced </a:t>
+            </a:r>
+            <a:r>
+              <a:rPr lang="en-US" b="1" i="0" dirty="0">
+                <a:solidFill>
+                  <a:srgbClr val="202122"/>
+                </a:solidFill>
+                <a:effectLst/>
+                <a:latin typeface="Noto Sans Bold"/>
+              </a:rPr>
               <a:t>V</a:t>
             </a:r>
             <a:r>
-              <a:rPr lang="de-DE" b="0" i="0" dirty="0">
+              <a:rPr lang="en-US" b="0" i="0" dirty="0">
                 <a:solidFill>
                   <a:srgbClr val="202122"/>
                 </a:solidFill>
@@ -8834,7 +8825,7 @@
               <a:t>egetation </a:t>
             </a:r>
             <a:r>
-              <a:rPr lang="de-DE" b="1" i="0" dirty="0">
+              <a:rPr lang="en-US" b="1" i="0" dirty="0">
                 <a:solidFill>
                   <a:srgbClr val="202122"/>
                 </a:solidFill>
@@ -8844,102 +8835,19 @@
               <a:t>I</a:t>
             </a:r>
             <a:r>
-              <a:rPr lang="de-DE" b="0" i="0" dirty="0">
+              <a:rPr lang="en-US" b="0" i="0" dirty="0">
                 <a:solidFill>
                   <a:srgbClr val="202122"/>
                 </a:solidFill>
                 <a:effectLst/>
                 <a:latin typeface="Noto Sans Bold"/>
               </a:rPr>
-              <a:t>ndex)</a:t>
+              <a:t>ndex)     </a:t>
             </a:r>
           </a:p>
           <a:p>
             <a:pPr marL="1028700" lvl="1" indent="-342900"/>
-            <a:r>
-              <a:rPr lang="de-DE" b="1" dirty="0">
-                <a:solidFill>
-                  <a:srgbClr val="202122"/>
-                </a:solidFill>
-                <a:latin typeface="Noto Sans Bold"/>
-                <a:sym typeface="Wingdings" panose="05000000000000000000" pitchFamily="2" charset="2"/>
-              </a:rPr>
-              <a:t>EVI </a:t>
-            </a:r>
-            <a:r>
-              <a:rPr lang="de-DE" dirty="0">
-                <a:solidFill>
-                  <a:srgbClr val="202122"/>
-                </a:solidFill>
-                <a:latin typeface="Noto Sans Bold"/>
-                <a:sym typeface="Wingdings" panose="05000000000000000000" pitchFamily="2" charset="2"/>
-              </a:rPr>
-              <a:t>(</a:t>
-            </a:r>
-            <a:r>
-              <a:rPr lang="de-DE" b="1" i="0" dirty="0">
-                <a:solidFill>
-                  <a:srgbClr val="202122"/>
-                </a:solidFill>
-                <a:effectLst/>
-                <a:latin typeface="Noto Sans Bold"/>
-              </a:rPr>
-              <a:t>E</a:t>
-            </a:r>
-            <a:r>
-              <a:rPr lang="de-DE" b="0" i="0" dirty="0">
-                <a:solidFill>
-                  <a:srgbClr val="202122"/>
-                </a:solidFill>
-                <a:effectLst/>
-                <a:latin typeface="Noto Sans Bold"/>
-              </a:rPr>
-              <a:t>nhanced </a:t>
-            </a:r>
-            <a:r>
-              <a:rPr lang="de-DE" b="1" i="0" dirty="0">
-                <a:solidFill>
-                  <a:srgbClr val="202122"/>
-                </a:solidFill>
-                <a:effectLst/>
-                <a:latin typeface="Noto Sans Bold"/>
-              </a:rPr>
-              <a:t>V</a:t>
-            </a:r>
-            <a:r>
-              <a:rPr lang="de-DE" b="0" i="0" dirty="0">
-                <a:solidFill>
-                  <a:srgbClr val="202122"/>
-                </a:solidFill>
-                <a:effectLst/>
-                <a:latin typeface="Noto Sans Bold"/>
-              </a:rPr>
-              <a:t>egetation </a:t>
-            </a:r>
-            <a:r>
-              <a:rPr lang="de-DE" b="1" i="0" dirty="0">
-                <a:solidFill>
-                  <a:srgbClr val="202122"/>
-                </a:solidFill>
-                <a:effectLst/>
-                <a:latin typeface="Noto Sans Bold"/>
-              </a:rPr>
-              <a:t>I</a:t>
-            </a:r>
-            <a:r>
-              <a:rPr lang="de-DE" b="0" i="0" dirty="0">
-                <a:solidFill>
-                  <a:srgbClr val="202122"/>
-                </a:solidFill>
-                <a:effectLst/>
-                <a:latin typeface="Noto Sans Bold"/>
-              </a:rPr>
-              <a:t>ndex)     </a:t>
-            </a:r>
-          </a:p>
-          <a:p>
-            <a:pPr marL="1028700" lvl="1" indent="-342900"/>
-            <a:endParaRPr lang="de-DE" dirty="0">
+            <a:endParaRPr lang="en-US" dirty="0">
               <a:solidFill>
                 <a:srgbClr val="202122"/>
               </a:solidFill>
@@ -8952,158 +8860,43 @@
               <a:buChar char="-"/>
             </a:pPr>
             <a:r>
-              <a:rPr lang="de-DE" dirty="0" err="1">
-                <a:solidFill>
-                  <a:srgbClr val="202122"/>
-                </a:solidFill>
-                <a:latin typeface="Noto Sans Bold"/>
-              </a:rPr>
-              <a:t>both</a:t>
-            </a:r>
-            <a:r>
-              <a:rPr lang="de-DE" dirty="0">
-                <a:solidFill>
-                  <a:srgbClr val="202122"/>
-                </a:solidFill>
-                <a:latin typeface="Noto Sans Bold"/>
-              </a:rPr>
-              <a:t> </a:t>
-            </a:r>
-            <a:r>
-              <a:rPr lang="de-DE" dirty="0" err="1">
-                <a:solidFill>
-                  <a:srgbClr val="202122"/>
-                </a:solidFill>
-                <a:latin typeface="Noto Sans Bold"/>
-              </a:rPr>
-              <a:t>use</a:t>
-            </a:r>
-            <a:r>
-              <a:rPr lang="de-DE" dirty="0">
-                <a:solidFill>
-                  <a:srgbClr val="202122"/>
-                </a:solidFill>
-                <a:latin typeface="Noto Sans Bold"/>
-              </a:rPr>
-              <a:t> </a:t>
-            </a:r>
-            <a:r>
-              <a:rPr lang="de-DE" b="0" i="0" dirty="0" err="1">
+              <a:rPr lang="en-US" dirty="0">
+                <a:solidFill>
+                  <a:srgbClr val="202122"/>
+                </a:solidFill>
+                <a:latin typeface="Noto Sans Bold"/>
+              </a:rPr>
+              <a:t>both use </a:t>
+            </a:r>
+            <a:r>
+              <a:rPr lang="en-US" b="0" i="0" dirty="0">
                 <a:solidFill>
                   <a:srgbClr val="202122"/>
                 </a:solidFill>
                 <a:effectLst/>
                 <a:latin typeface="Noto Sans Bold"/>
               </a:rPr>
-              <a:t>differences</a:t>
-            </a:r>
-            <a:r>
-              <a:rPr lang="de-DE" b="0" i="0" dirty="0">
+              <a:t>differences in reflectance of light in near-infrared and red spectral regions due to </a:t>
+            </a:r>
+            <a:r>
+              <a:rPr lang="en-US" dirty="0">
+                <a:solidFill>
+                  <a:srgbClr val="202122"/>
+                </a:solidFill>
+                <a:latin typeface="Noto Sans Bold"/>
+              </a:rPr>
+              <a:t>the photosynthesis of </a:t>
+            </a:r>
+            <a:r>
+              <a:rPr lang="en-US" b="0" i="0" dirty="0">
                 <a:solidFill>
                   <a:srgbClr val="202122"/>
                 </a:solidFill>
                 <a:effectLst/>
                 <a:latin typeface="Noto Sans Bold"/>
               </a:rPr>
-              <a:t> in plant </a:t>
-            </a:r>
-            <a:r>
-              <a:rPr lang="de-DE" b="0" i="0" dirty="0" err="1">
-                <a:solidFill>
-                  <a:srgbClr val="202122"/>
-                </a:solidFill>
-                <a:effectLst/>
-                <a:latin typeface="Noto Sans Bold"/>
-              </a:rPr>
-              <a:t>reflectance</a:t>
-            </a:r>
-            <a:r>
-              <a:rPr lang="de-DE" b="0" i="0" dirty="0">
-                <a:solidFill>
-                  <a:srgbClr val="202122"/>
-                </a:solidFill>
-                <a:effectLst/>
-                <a:latin typeface="Noto Sans Bold"/>
-              </a:rPr>
-              <a:t> </a:t>
-            </a:r>
-            <a:r>
-              <a:rPr lang="de-DE" b="0" i="0" dirty="0" err="1">
-                <a:solidFill>
-                  <a:srgbClr val="202122"/>
-                </a:solidFill>
-                <a:effectLst/>
-                <a:latin typeface="Noto Sans Bold"/>
-              </a:rPr>
-              <a:t>of</a:t>
-            </a:r>
-            <a:r>
-              <a:rPr lang="de-DE" b="0" i="0" dirty="0">
-                <a:solidFill>
-                  <a:srgbClr val="202122"/>
-                </a:solidFill>
-                <a:effectLst/>
-                <a:latin typeface="Noto Sans Bold"/>
-              </a:rPr>
-              <a:t> light in </a:t>
-            </a:r>
-            <a:r>
-              <a:rPr lang="de-DE" b="0" i="0" dirty="0" err="1">
-                <a:solidFill>
-                  <a:srgbClr val="202122"/>
-                </a:solidFill>
-                <a:effectLst/>
-                <a:latin typeface="Noto Sans Bold"/>
-              </a:rPr>
-              <a:t>near-infrared</a:t>
-            </a:r>
-            <a:r>
-              <a:rPr lang="de-DE" b="0" i="0" dirty="0">
-                <a:solidFill>
-                  <a:srgbClr val="202122"/>
-                </a:solidFill>
-                <a:effectLst/>
-                <a:latin typeface="Noto Sans Bold"/>
-              </a:rPr>
-              <a:t> </a:t>
-            </a:r>
-            <a:r>
-              <a:rPr lang="de-DE" b="0" i="0" dirty="0" err="1">
-                <a:solidFill>
-                  <a:srgbClr val="202122"/>
-                </a:solidFill>
-                <a:effectLst/>
-                <a:latin typeface="Noto Sans Bold"/>
-              </a:rPr>
-              <a:t>spectral</a:t>
-            </a:r>
-            <a:r>
-              <a:rPr lang="de-DE" b="0" i="0" dirty="0">
-                <a:solidFill>
-                  <a:srgbClr val="202122"/>
-                </a:solidFill>
-                <a:effectLst/>
-                <a:latin typeface="Noto Sans Bold"/>
-              </a:rPr>
-              <a:t> </a:t>
-            </a:r>
-            <a:r>
-              <a:rPr lang="de-DE" b="0" i="0" dirty="0" err="1">
-                <a:solidFill>
-                  <a:srgbClr val="202122"/>
-                </a:solidFill>
-                <a:effectLst/>
-                <a:latin typeface="Noto Sans Bold"/>
-              </a:rPr>
-              <a:t>region</a:t>
-            </a:r>
-            <a:endParaRPr lang="de-DE" b="0" i="0" dirty="0">
-              <a:solidFill>
-                <a:srgbClr val="202122"/>
-              </a:solidFill>
-              <a:effectLst/>
-              <a:latin typeface="Noto Sans Bold"/>
-            </a:endParaRPr>
+              <a:t>vegetation</a:t>
+            </a:r>
           </a:p>
           <a:p>
             <a:pPr marL="342900" indent="-342900">
@@ -9111,191 +8904,14 @@
               <a:buChar char="-"/>
             </a:pPr>
             <a:r>
-              <a:rPr lang="de-DE" dirty="0">
-                <a:solidFill>
-                  <a:srgbClr val="202122"/>
-                </a:solidFill>
-                <a:latin typeface="Noto Sans Bold"/>
-              </a:rPr>
-              <a:t>in </a:t>
-            </a:r>
-            <a:r>
-              <a:rPr lang="de-DE" dirty="0" err="1">
-                <a:solidFill>
-                  <a:srgbClr val="202122"/>
-                </a:solidFill>
-                <a:latin typeface="Noto Sans Bold"/>
-              </a:rPr>
-              <a:t>short</a:t>
-            </a:r>
-            <a:r>
-              <a:rPr lang="de-DE" dirty="0">
-                <a:solidFill>
-                  <a:srgbClr val="202122"/>
-                </a:solidFill>
-                <a:latin typeface="Noto Sans Bold"/>
-              </a:rPr>
-              <a:t>: </a:t>
-            </a:r>
-            <a:r>
-              <a:rPr lang="de-DE" dirty="0" err="1">
-                <a:solidFill>
-                  <a:srgbClr val="202122"/>
-                </a:solidFill>
-                <a:latin typeface="Noto Sans Bold"/>
-              </a:rPr>
-              <a:t>the</a:t>
-            </a:r>
-            <a:r>
-              <a:rPr lang="de-DE" dirty="0">
-                <a:solidFill>
-                  <a:srgbClr val="202122"/>
-                </a:solidFill>
-                <a:latin typeface="Noto Sans Bold"/>
-              </a:rPr>
-              <a:t> </a:t>
-            </a:r>
-            <a:r>
-              <a:rPr lang="de-DE" dirty="0" err="1">
-                <a:solidFill>
-                  <a:srgbClr val="202122"/>
-                </a:solidFill>
-                <a:latin typeface="Noto Sans Bold"/>
-              </a:rPr>
-              <a:t>more</a:t>
-            </a:r>
-            <a:r>
-              <a:rPr lang="de-DE" dirty="0">
-                <a:solidFill>
-                  <a:srgbClr val="202122"/>
-                </a:solidFill>
-                <a:latin typeface="Noto Sans Bold"/>
-              </a:rPr>
-              <a:t> solar </a:t>
-            </a:r>
-            <a:r>
-              <a:rPr lang="de-DE" dirty="0" err="1">
-                <a:solidFill>
-                  <a:srgbClr val="202122"/>
-                </a:solidFill>
-                <a:latin typeface="Noto Sans Bold"/>
-              </a:rPr>
-              <a:t>radiation</a:t>
-            </a:r>
-            <a:r>
-              <a:rPr lang="de-DE" dirty="0">
-                <a:solidFill>
-                  <a:srgbClr val="202122"/>
-                </a:solidFill>
-                <a:latin typeface="Noto Sans Bold"/>
-              </a:rPr>
-              <a:t> </a:t>
-            </a:r>
-            <a:r>
-              <a:rPr lang="de-DE" dirty="0" err="1">
-                <a:solidFill>
-                  <a:srgbClr val="202122"/>
-                </a:solidFill>
-                <a:latin typeface="Noto Sans Bold"/>
-              </a:rPr>
-              <a:t>is</a:t>
-            </a:r>
-            <a:r>
-              <a:rPr lang="de-DE" dirty="0">
-                <a:solidFill>
-                  <a:srgbClr val="202122"/>
-                </a:solidFill>
-                <a:latin typeface="Noto Sans Bold"/>
-              </a:rPr>
-              <a:t> </a:t>
-            </a:r>
-            <a:r>
-              <a:rPr lang="de-DE" dirty="0" err="1">
-                <a:solidFill>
-                  <a:srgbClr val="202122"/>
-                </a:solidFill>
-                <a:latin typeface="Noto Sans Bold"/>
-              </a:rPr>
-              <a:t>re-emitted</a:t>
-            </a:r>
-            <a:r>
-              <a:rPr lang="de-DE" dirty="0">
-                <a:solidFill>
-                  <a:srgbClr val="202122"/>
-                </a:solidFill>
-                <a:latin typeface="Noto Sans Bold"/>
-              </a:rPr>
-              <a:t>, </a:t>
-            </a:r>
-            <a:r>
-              <a:rPr lang="de-DE" dirty="0" err="1">
-                <a:solidFill>
-                  <a:srgbClr val="202122"/>
-                </a:solidFill>
-                <a:latin typeface="Noto Sans Bold"/>
-              </a:rPr>
-              <a:t>the</a:t>
-            </a:r>
-            <a:r>
-              <a:rPr lang="de-DE" dirty="0">
-                <a:solidFill>
-                  <a:srgbClr val="202122"/>
-                </a:solidFill>
-                <a:latin typeface="Noto Sans Bold"/>
-              </a:rPr>
-              <a:t> </a:t>
-            </a:r>
-            <a:r>
-              <a:rPr lang="de-DE" dirty="0" err="1">
-                <a:solidFill>
-                  <a:srgbClr val="202122"/>
-                </a:solidFill>
-                <a:latin typeface="Noto Sans Bold"/>
-              </a:rPr>
-              <a:t>greener</a:t>
-            </a:r>
-            <a:r>
-              <a:rPr lang="de-DE" dirty="0">
-                <a:solidFill>
-                  <a:srgbClr val="202122"/>
-                </a:solidFill>
-                <a:latin typeface="Noto Sans Bold"/>
-              </a:rPr>
-              <a:t> </a:t>
-            </a:r>
-            <a:r>
-              <a:rPr lang="de-DE" dirty="0" err="1">
-                <a:solidFill>
-                  <a:srgbClr val="202122"/>
-                </a:solidFill>
-                <a:latin typeface="Noto Sans Bold"/>
-              </a:rPr>
-              <a:t>the</a:t>
-            </a:r>
-            <a:r>
-              <a:rPr lang="de-DE" dirty="0">
-                <a:solidFill>
-                  <a:srgbClr val="202122"/>
-                </a:solidFill>
-                <a:latin typeface="Noto Sans Bold"/>
-              </a:rPr>
-              <a:t> </a:t>
-            </a:r>
-            <a:r>
-              <a:rPr lang="de-DE" dirty="0" err="1">
-                <a:solidFill>
-                  <a:srgbClr val="202122"/>
-                </a:solidFill>
-                <a:latin typeface="Noto Sans Bold"/>
-              </a:rPr>
-              <a:t>area</a:t>
-            </a:r>
-            <a:endParaRPr lang="de-DE" dirty="0">
-              <a:solidFill>
-                <a:srgbClr val="202122"/>
-              </a:solidFill>
-              <a:latin typeface="Noto Sans Bold"/>
-            </a:endParaRPr>
+              <a:rPr lang="en-US" dirty="0">
+                <a:solidFill>
+                  <a:srgbClr val="202122"/>
+                </a:solidFill>
+                <a:latin typeface="Noto Sans Bold"/>
+              </a:rPr>
+              <a:t>in short: the more near-infrared solar radiation is re-emitted, the greener the area</a:t>
+            </a:r>
           </a:p>
           <a:p>
             <a:pPr marL="342900" indent="-342900">
@@ -9303,166 +8919,13 @@
               <a:buChar char="-"/>
             </a:pPr>
             <a:r>
-              <a:rPr lang="de-DE" dirty="0" err="1">
-                <a:solidFill>
-                  <a:srgbClr val="202122"/>
-                </a:solidFill>
-                <a:latin typeface="Noto Sans Bold"/>
-              </a:rPr>
-              <a:t>process</a:t>
-            </a:r>
-            <a:r>
-              <a:rPr lang="de-DE" dirty="0">
-                <a:solidFill>
-                  <a:srgbClr val="202122"/>
-                </a:solidFill>
-                <a:latin typeface="Noto Sans Bold"/>
-              </a:rPr>
-              <a:t>/</a:t>
-            </a:r>
-            <a:r>
-              <a:rPr lang="de-DE" dirty="0" err="1">
-                <a:solidFill>
-                  <a:srgbClr val="202122"/>
-                </a:solidFill>
-                <a:latin typeface="Noto Sans Bold"/>
-              </a:rPr>
-              <a:t>calculate</a:t>
-            </a:r>
-            <a:r>
-              <a:rPr lang="de-DE" dirty="0">
-                <a:solidFill>
-                  <a:srgbClr val="202122"/>
-                </a:solidFill>
-                <a:latin typeface="Noto Sans Bold"/>
-              </a:rPr>
-              <a:t> </a:t>
-            </a:r>
-            <a:r>
-              <a:rPr lang="de-DE" dirty="0" err="1">
-                <a:solidFill>
-                  <a:srgbClr val="202122"/>
-                </a:solidFill>
-                <a:latin typeface="Noto Sans Bold"/>
-              </a:rPr>
-              <a:t>that</a:t>
-            </a:r>
-            <a:r>
-              <a:rPr lang="de-DE" dirty="0">
-                <a:solidFill>
-                  <a:srgbClr val="202122"/>
-                </a:solidFill>
-                <a:latin typeface="Noto Sans Bold"/>
-              </a:rPr>
-              <a:t> </a:t>
-            </a:r>
-            <a:r>
-              <a:rPr lang="de-DE" dirty="0" err="1">
-                <a:solidFill>
-                  <a:srgbClr val="202122"/>
-                </a:solidFill>
-                <a:latin typeface="Noto Sans Bold"/>
-              </a:rPr>
-              <a:t>data</a:t>
-            </a:r>
-            <a:r>
-              <a:rPr lang="de-DE" dirty="0">
-                <a:solidFill>
-                  <a:srgbClr val="202122"/>
-                </a:solidFill>
-                <a:latin typeface="Noto Sans Bold"/>
-              </a:rPr>
-              <a:t> </a:t>
-            </a:r>
-            <a:r>
-              <a:rPr lang="de-DE" dirty="0" err="1">
-                <a:solidFill>
-                  <a:srgbClr val="202122"/>
-                </a:solidFill>
-                <a:latin typeface="Noto Sans Bold"/>
-              </a:rPr>
-              <a:t>using</a:t>
-            </a:r>
-            <a:r>
-              <a:rPr lang="de-DE" dirty="0">
-                <a:solidFill>
-                  <a:srgbClr val="202122"/>
-                </a:solidFill>
-                <a:latin typeface="Noto Sans Bold"/>
-              </a:rPr>
-              <a:t> R; </a:t>
-            </a:r>
-            <a:r>
-              <a:rPr lang="de-DE" dirty="0" err="1">
-                <a:solidFill>
-                  <a:srgbClr val="202122"/>
-                </a:solidFill>
-                <a:latin typeface="Noto Sans Bold"/>
-              </a:rPr>
-              <a:t>put</a:t>
-            </a:r>
-            <a:r>
-              <a:rPr lang="de-DE" dirty="0">
-                <a:solidFill>
-                  <a:srgbClr val="202122"/>
-                </a:solidFill>
-                <a:latin typeface="Noto Sans Bold"/>
-              </a:rPr>
-              <a:t> </a:t>
-            </a:r>
-            <a:r>
-              <a:rPr lang="de-DE" dirty="0" err="1">
-                <a:solidFill>
-                  <a:srgbClr val="202122"/>
-                </a:solidFill>
-                <a:latin typeface="Noto Sans Bold"/>
-              </a:rPr>
-              <a:t>it</a:t>
-            </a:r>
-            <a:r>
-              <a:rPr lang="de-DE" dirty="0">
-                <a:solidFill>
-                  <a:srgbClr val="202122"/>
-                </a:solidFill>
-                <a:latin typeface="Noto Sans Bold"/>
-              </a:rPr>
-              <a:t> on a </a:t>
-            </a:r>
-            <a:r>
-              <a:rPr lang="de-DE" dirty="0" err="1">
-                <a:solidFill>
-                  <a:srgbClr val="202122"/>
-                </a:solidFill>
-                <a:latin typeface="Noto Sans Bold"/>
-              </a:rPr>
-              <a:t>map</a:t>
-            </a:r>
-            <a:r>
-              <a:rPr lang="de-DE" dirty="0">
-                <a:solidFill>
-                  <a:srgbClr val="202122"/>
-                </a:solidFill>
-                <a:latin typeface="Noto Sans Bold"/>
-              </a:rPr>
-              <a:t> </a:t>
-            </a:r>
-            <a:r>
-              <a:rPr lang="de-DE" dirty="0" err="1">
-                <a:solidFill>
-                  <a:srgbClr val="202122"/>
-                </a:solidFill>
-                <a:latin typeface="Noto Sans Bold"/>
-              </a:rPr>
-              <a:t>of</a:t>
-            </a:r>
-            <a:r>
-              <a:rPr lang="de-DE" dirty="0">
-                <a:solidFill>
-                  <a:srgbClr val="202122"/>
-                </a:solidFill>
-                <a:latin typeface="Noto Sans Bold"/>
-              </a:rPr>
-              <a:t> Leipzig</a:t>
+              <a:rPr lang="en-US" dirty="0">
+                <a:solidFill>
+                  <a:srgbClr val="202122"/>
+                </a:solidFill>
+                <a:latin typeface="Noto Sans Bold"/>
+              </a:rPr>
+              <a:t>process/calculate that data using R; put it on a map of Leipzig</a:t>
             </a:r>
           </a:p>
           <a:p>
@@ -9471,153 +8934,21 @@
               <a:buChar char="-"/>
             </a:pPr>
             <a:r>
-              <a:rPr lang="de-DE" dirty="0" err="1">
-                <a:solidFill>
-                  <a:srgbClr val="202122"/>
-                </a:solidFill>
-                <a:latin typeface="Noto Sans Bold"/>
-              </a:rPr>
-              <a:t>plot</a:t>
-            </a:r>
-            <a:r>
-              <a:rPr lang="de-DE" dirty="0">
-                <a:solidFill>
-                  <a:srgbClr val="202122"/>
-                </a:solidFill>
-                <a:latin typeface="Noto Sans Bold"/>
-              </a:rPr>
-              <a:t> </a:t>
-            </a:r>
-            <a:r>
-              <a:rPr lang="de-DE" dirty="0" err="1">
-                <a:solidFill>
-                  <a:srgbClr val="202122"/>
-                </a:solidFill>
-                <a:latin typeface="Noto Sans Bold"/>
-              </a:rPr>
-              <a:t>against</a:t>
-            </a:r>
-            <a:r>
-              <a:rPr lang="de-DE" dirty="0">
-                <a:solidFill>
-                  <a:srgbClr val="202122"/>
-                </a:solidFill>
-                <a:latin typeface="Noto Sans Bold"/>
-              </a:rPr>
-              <a:t> different social </a:t>
-            </a:r>
-            <a:r>
-              <a:rPr lang="de-DE" dirty="0" err="1">
-                <a:solidFill>
-                  <a:srgbClr val="202122"/>
-                </a:solidFill>
-                <a:latin typeface="Noto Sans Bold"/>
-              </a:rPr>
-              <a:t>metrics</a:t>
-            </a:r>
-            <a:r>
-              <a:rPr lang="de-DE" dirty="0">
-                <a:solidFill>
-                  <a:srgbClr val="202122"/>
-                </a:solidFill>
-                <a:latin typeface="Noto Sans Bold"/>
-              </a:rPr>
-              <a:t> like </a:t>
-            </a:r>
-            <a:r>
-              <a:rPr lang="de-DE" dirty="0" err="1">
-                <a:solidFill>
-                  <a:srgbClr val="202122"/>
-                </a:solidFill>
-                <a:latin typeface="Noto Sans Bold"/>
-              </a:rPr>
-              <a:t>income</a:t>
-            </a:r>
-            <a:r>
-              <a:rPr lang="de-DE" dirty="0">
-                <a:solidFill>
-                  <a:srgbClr val="202122"/>
-                </a:solidFill>
-                <a:latin typeface="Noto Sans Bold"/>
-              </a:rPr>
-              <a:t>, </a:t>
-            </a:r>
-            <a:r>
-              <a:rPr lang="de-DE" dirty="0" err="1">
-                <a:solidFill>
-                  <a:srgbClr val="202122"/>
-                </a:solidFill>
-                <a:latin typeface="Noto Sans Bold"/>
-              </a:rPr>
-              <a:t>rent</a:t>
-            </a:r>
-            <a:r>
-              <a:rPr lang="de-DE" dirty="0">
-                <a:solidFill>
-                  <a:srgbClr val="202122"/>
-                </a:solidFill>
-                <a:latin typeface="Noto Sans Bold"/>
-              </a:rPr>
-              <a:t> </a:t>
-            </a:r>
-            <a:r>
-              <a:rPr lang="de-DE" dirty="0" err="1">
-                <a:solidFill>
-                  <a:srgbClr val="202122"/>
-                </a:solidFill>
-                <a:latin typeface="Noto Sans Bold"/>
-              </a:rPr>
-              <a:t>price</a:t>
-            </a:r>
-            <a:r>
-              <a:rPr lang="de-DE" dirty="0">
-                <a:solidFill>
-                  <a:srgbClr val="202122"/>
-                </a:solidFill>
-                <a:latin typeface="Noto Sans Bold"/>
-              </a:rPr>
-              <a:t> and </a:t>
-            </a:r>
-            <a:r>
-              <a:rPr lang="de-DE" dirty="0" err="1">
-                <a:solidFill>
-                  <a:srgbClr val="202122"/>
-                </a:solidFill>
-                <a:latin typeface="Noto Sans Bold"/>
-              </a:rPr>
-              <a:t>possibly</a:t>
-            </a:r>
-            <a:r>
-              <a:rPr lang="de-DE" dirty="0">
-                <a:solidFill>
-                  <a:srgbClr val="202122"/>
-                </a:solidFill>
-                <a:latin typeface="Noto Sans Bold"/>
-              </a:rPr>
-              <a:t> </a:t>
-            </a:r>
-            <a:r>
-              <a:rPr lang="de-DE" dirty="0" err="1">
-                <a:solidFill>
-                  <a:srgbClr val="202122"/>
-                </a:solidFill>
-                <a:latin typeface="Noto Sans Bold"/>
-              </a:rPr>
-              <a:t>more</a:t>
-            </a:r>
-            <a:endParaRPr lang="de-DE" dirty="0">
-              <a:solidFill>
-                <a:srgbClr val="202122"/>
-              </a:solidFill>
-              <a:latin typeface="Noto Sans Bold"/>
-            </a:endParaRPr>
+              <a:rPr lang="en-US" dirty="0">
+                <a:solidFill>
+                  <a:srgbClr val="202122"/>
+                </a:solidFill>
+                <a:latin typeface="Noto Sans Bold"/>
+              </a:rPr>
+              <a:t>plot against different social metrics like income, rent price and possibly more</a:t>
+            </a:r>
           </a:p>
         </p:txBody>
       </p:sp>
     </p:spTree>
     <p:extLst>
       <p:ext uri="{BB962C8B-B14F-4D97-AF65-F5344CB8AC3E}">
-        <p14:creationId xmlns:p14="http://schemas.microsoft.com/office/powerpoint/2010/main" val="1783861273"/>
+        <p14:creationId xmlns:p14="http://schemas.microsoft.com/office/powerpoint/2010/main" val="2837152873"/>
       </p:ext>
     </p:extLst>
   </p:cSld>
@@ -9719,7 +9050,7 @@
         </p:spPr>
         <p:txBody>
           <a:bodyPr>
-            <a:normAutofit/>
+            <a:normAutofit lnSpcReduction="10000"/>
           </a:bodyPr>
           <a:lstStyle/>
           <a:p>
